--- a/docs/presentations/probability_distributions.pptx
+++ b/docs/presentations/probability_distributions.pptx
@@ -5,7 +5,7 @@
     <p:sldMasterId id="2147483648" r:id="rId1"/>
   </p:sldMasterIdLst>
   <p:notesMasterIdLst>
-    <p:notesMasterId r:id="rId27"/>
+    <p:notesMasterId r:id="rId30"/>
   </p:notesMasterIdLst>
   <p:sldIdLst>
     <p:sldId id="256" r:id="rId2"/>
@@ -18,21 +18,24 @@
     <p:sldId id="261" r:id="rId9"/>
     <p:sldId id="260" r:id="rId10"/>
     <p:sldId id="282" r:id="rId11"/>
-    <p:sldId id="262" r:id="rId12"/>
-    <p:sldId id="263" r:id="rId13"/>
-    <p:sldId id="264" r:id="rId14"/>
-    <p:sldId id="265" r:id="rId15"/>
-    <p:sldId id="266" r:id="rId16"/>
-    <p:sldId id="279" r:id="rId17"/>
-    <p:sldId id="267" r:id="rId18"/>
-    <p:sldId id="268" r:id="rId19"/>
-    <p:sldId id="269" r:id="rId20"/>
-    <p:sldId id="270" r:id="rId21"/>
-    <p:sldId id="271" r:id="rId22"/>
-    <p:sldId id="272" r:id="rId23"/>
-    <p:sldId id="280" r:id="rId24"/>
-    <p:sldId id="273" r:id="rId25"/>
-    <p:sldId id="281" r:id="rId26"/>
+    <p:sldId id="283" r:id="rId12"/>
+    <p:sldId id="285" r:id="rId13"/>
+    <p:sldId id="284" r:id="rId14"/>
+    <p:sldId id="262" r:id="rId15"/>
+    <p:sldId id="263" r:id="rId16"/>
+    <p:sldId id="264" r:id="rId17"/>
+    <p:sldId id="265" r:id="rId18"/>
+    <p:sldId id="266" r:id="rId19"/>
+    <p:sldId id="279" r:id="rId20"/>
+    <p:sldId id="267" r:id="rId21"/>
+    <p:sldId id="268" r:id="rId22"/>
+    <p:sldId id="269" r:id="rId23"/>
+    <p:sldId id="270" r:id="rId24"/>
+    <p:sldId id="271" r:id="rId25"/>
+    <p:sldId id="272" r:id="rId26"/>
+    <p:sldId id="280" r:id="rId27"/>
+    <p:sldId id="273" r:id="rId28"/>
+    <p:sldId id="281" r:id="rId29"/>
   </p:sldIdLst>
   <p:sldSz cx="9144000" cy="5143500" type="screen16x9"/>
   <p:notesSz cx="6858000" cy="9144000"/>
@@ -133,7 +136,7 @@
   </p:defaultTextStyle>
   <p:extLst>
     <p:ext uri="{EFAFB233-063F-42B5-8137-9DF3F51BA10A}">
-      <p15:sldGuideLst xmlns="" xmlns:p15="http://schemas.microsoft.com/office/powerpoint/2012/main">
+      <p15:sldGuideLst xmlns:p15="http://schemas.microsoft.com/office/powerpoint/2012/main" xmlns="">
         <p15:guide id="1" orient="horz" pos="1620">
           <p15:clr>
             <a:srgbClr val="A4A3A4"/>
@@ -2544,6 +2547,178 @@
     <p:extLst>
       <p:ext uri="{BB962C8B-B14F-4D97-AF65-F5344CB8AC3E}">
         <p14:creationId xmlns:p14="http://schemas.microsoft.com/office/powerpoint/2010/main" val="3495279576"/>
+      </p:ext>
+    </p:extLst>
+  </p:cSld>
+  <p:clrMapOvr>
+    <a:masterClrMapping/>
+  </p:clrMapOvr>
+</p:notes>
+</file>
+
+<file path=ppt/notesSlides/notesSlide2.xml><?xml version="1.0" encoding="utf-8"?>
+<p:notes xmlns:a="http://schemas.openxmlformats.org/drawingml/2006/main" xmlns:r="http://schemas.openxmlformats.org/officeDocument/2006/relationships" xmlns:p="http://schemas.openxmlformats.org/presentationml/2006/main">
+  <p:cSld>
+    <p:spTree>
+      <p:nvGrpSpPr>
+        <p:cNvPr id="1" name=""/>
+        <p:cNvGrpSpPr/>
+        <p:nvPr/>
+      </p:nvGrpSpPr>
+      <p:grpSpPr>
+        <a:xfrm>
+          <a:off x="0" y="0"/>
+          <a:ext cx="0" cy="0"/>
+          <a:chOff x="0" y="0"/>
+          <a:chExt cx="0" cy="0"/>
+        </a:xfrm>
+      </p:grpSpPr>
+      <p:sp>
+        <p:nvSpPr>
+          <p:cNvPr id="2" name="Slide Image Placeholder 1"/>
+          <p:cNvSpPr>
+            <a:spLocks noGrp="1" noRot="1" noChangeAspect="1"/>
+          </p:cNvSpPr>
+          <p:nvPr>
+            <p:ph type="sldImg"/>
+          </p:nvPr>
+        </p:nvSpPr>
+        <p:spPr/>
+      </p:sp>
+      <p:sp>
+        <p:nvSpPr>
+          <p:cNvPr id="3" name="Notes Placeholder 2"/>
+          <p:cNvSpPr>
+            <a:spLocks noGrp="1"/>
+          </p:cNvSpPr>
+          <p:nvPr>
+            <p:ph type="body" idx="1"/>
+          </p:nvPr>
+        </p:nvSpPr>
+        <p:spPr/>
+        <p:txBody>
+          <a:bodyPr/>
+          <a:lstStyle/>
+          <a:p>
+            <a:endParaRPr lang="de-DE" dirty="0"/>
+          </a:p>
+        </p:txBody>
+      </p:sp>
+      <p:sp>
+        <p:nvSpPr>
+          <p:cNvPr id="4" name="Slide Number Placeholder 3"/>
+          <p:cNvSpPr>
+            <a:spLocks noGrp="1"/>
+          </p:cNvSpPr>
+          <p:nvPr>
+            <p:ph type="sldNum" sz="quarter" idx="10"/>
+          </p:nvPr>
+        </p:nvSpPr>
+        <p:spPr/>
+        <p:txBody>
+          <a:bodyPr/>
+          <a:lstStyle/>
+          <a:p>
+            <a:fld id="{E4FF5570-FE69-4FDF-99DA-8CDE436443CD}" type="slidenum">
+              <a:rPr lang="en-US" smtClean="0"/>
+              <a:t>11</a:t>
+            </a:fld>
+            <a:endParaRPr lang="en-US"/>
+          </a:p>
+        </p:txBody>
+      </p:sp>
+    </p:spTree>
+    <p:extLst>
+      <p:ext uri="{BB962C8B-B14F-4D97-AF65-F5344CB8AC3E}">
+        <p14:creationId xmlns:p14="http://schemas.microsoft.com/office/powerpoint/2010/main" val="4258552308"/>
+      </p:ext>
+    </p:extLst>
+  </p:cSld>
+  <p:clrMapOvr>
+    <a:masterClrMapping/>
+  </p:clrMapOvr>
+</p:notes>
+</file>
+
+<file path=ppt/notesSlides/notesSlide3.xml><?xml version="1.0" encoding="utf-8"?>
+<p:notes xmlns:a="http://schemas.openxmlformats.org/drawingml/2006/main" xmlns:r="http://schemas.openxmlformats.org/officeDocument/2006/relationships" xmlns:p="http://schemas.openxmlformats.org/presentationml/2006/main">
+  <p:cSld>
+    <p:spTree>
+      <p:nvGrpSpPr>
+        <p:cNvPr id="1" name=""/>
+        <p:cNvGrpSpPr/>
+        <p:nvPr/>
+      </p:nvGrpSpPr>
+      <p:grpSpPr>
+        <a:xfrm>
+          <a:off x="0" y="0"/>
+          <a:ext cx="0" cy="0"/>
+          <a:chOff x="0" y="0"/>
+          <a:chExt cx="0" cy="0"/>
+        </a:xfrm>
+      </p:grpSpPr>
+      <p:sp>
+        <p:nvSpPr>
+          <p:cNvPr id="2" name="Slide Image Placeholder 1"/>
+          <p:cNvSpPr>
+            <a:spLocks noGrp="1" noRot="1" noChangeAspect="1"/>
+          </p:cNvSpPr>
+          <p:nvPr>
+            <p:ph type="sldImg"/>
+          </p:nvPr>
+        </p:nvSpPr>
+        <p:spPr/>
+      </p:sp>
+      <p:sp>
+        <p:nvSpPr>
+          <p:cNvPr id="3" name="Notes Placeholder 2"/>
+          <p:cNvSpPr>
+            <a:spLocks noGrp="1"/>
+          </p:cNvSpPr>
+          <p:nvPr>
+            <p:ph type="body" idx="1"/>
+          </p:nvPr>
+        </p:nvSpPr>
+        <p:spPr/>
+        <p:txBody>
+          <a:bodyPr/>
+          <a:lstStyle/>
+          <a:p>
+            <a:pPr marL="171450" indent="-171450">
+              <a:buFontTx/>
+              <a:buChar char="-"/>
+            </a:pPr>
+            <a:endParaRPr lang="de-DE" dirty="0"/>
+          </a:p>
+        </p:txBody>
+      </p:sp>
+      <p:sp>
+        <p:nvSpPr>
+          <p:cNvPr id="4" name="Slide Number Placeholder 3"/>
+          <p:cNvSpPr>
+            <a:spLocks noGrp="1"/>
+          </p:cNvSpPr>
+          <p:nvPr>
+            <p:ph type="sldNum" sz="quarter" idx="10"/>
+          </p:nvPr>
+        </p:nvSpPr>
+        <p:spPr/>
+        <p:txBody>
+          <a:bodyPr/>
+          <a:lstStyle/>
+          <a:p>
+            <a:fld id="{E4FF5570-FE69-4FDF-99DA-8CDE436443CD}" type="slidenum">
+              <a:rPr lang="en-US" smtClean="0"/>
+              <a:t>15</a:t>
+            </a:fld>
+            <a:endParaRPr lang="en-US"/>
+          </a:p>
+        </p:txBody>
+      </p:sp>
+    </p:spTree>
+    <p:extLst>
+      <p:ext uri="{BB962C8B-B14F-4D97-AF65-F5344CB8AC3E}">
+        <p14:creationId xmlns:p14="http://schemas.microsoft.com/office/powerpoint/2010/main" val="1929317550"/>
       </p:ext>
     </p:extLst>
   </p:cSld>
@@ -5481,7 +5656,7 @@
           <p:cNvPr id="4" name="Rectangle 3">
             <a:extLst>
               <a:ext uri="{FF2B5EF4-FFF2-40B4-BE49-F238E27FC236}">
-                <a16:creationId xmlns="" xmlns:a16="http://schemas.microsoft.com/office/drawing/2014/main" id="{764E2F84-B860-45FB-ABFC-E943EA7C95B9}"/>
+                <a16:creationId xmlns:a16="http://schemas.microsoft.com/office/drawing/2014/main" xmlns="" id="{764E2F84-B860-45FB-ABFC-E943EA7C95B9}"/>
               </a:ext>
             </a:extLst>
           </p:cNvPr>
@@ -5521,7 +5696,7 @@
     <a:masterClrMapping/>
   </p:clrMapOvr>
   <mc:AlternateContent xmlns:mc="http://schemas.openxmlformats.org/markup-compatibility/2006">
-    <mc:Choice xmlns="" xmlns:p159="http://schemas.microsoft.com/office/powerpoint/2015/09/main" Requires="p159">
+    <mc:Choice xmlns:p159="http://schemas.microsoft.com/office/powerpoint/2015/09/main" xmlns="" Requires="p159">
       <p:transition xmlns:p14="http://schemas.microsoft.com/office/powerpoint/2010/main" spd="slow" p14:dur="2000">
         <p159:morph option="byObject"/>
       </p:transition>
@@ -5744,7 +5919,11 @@
           <a:bodyPr/>
           <a:lstStyle/>
           <a:p>
-            <a:endParaRPr lang="de-DE"/>
+            <a:r>
+              <a:rPr lang="en-US" dirty="0" smtClean="0"/>
+              <a:t>Skewed distributions</a:t>
+            </a:r>
+            <a:endParaRPr lang="de-DE" dirty="0"/>
           </a:p>
         </p:txBody>
       </p:sp>
@@ -5772,41 +5951,242 @@
         </p:blipFill>
         <p:spPr>
           <a:xfrm>
-            <a:off x="2048251" y="1341180"/>
+            <a:off x="3189361" y="1401636"/>
             <a:ext cx="5047498" cy="3112014"/>
           </a:xfrm>
         </p:spPr>
       </p:pic>
-      <p:pic>
-        <p:nvPicPr>
-          <p:cNvPr id="5" name="Picture 4"/>
-          <p:cNvPicPr>
-            <a:picLocks noChangeAspect="1"/>
-          </p:cNvPicPr>
+      <p:sp>
+        <p:nvSpPr>
+          <p:cNvPr id="6" name="Content Placeholder 2"/>
+          <p:cNvSpPr txBox="1">
+            <a:spLocks/>
+          </p:cNvSpPr>
           <p:nvPr/>
-        </p:nvPicPr>
-        <p:blipFill>
-          <a:blip r:embed="rId2" cstate="print">
-            <a:extLst>
-              <a:ext uri="{28A0092B-C50C-407E-A947-70E740481C1C}">
-                <a14:useLocalDpi xmlns:a14="http://schemas.microsoft.com/office/drawing/2010/main" val="0"/>
-              </a:ext>
-            </a:extLst>
-          </a:blip>
-          <a:stretch>
-            <a:fillRect/>
-          </a:stretch>
-        </p:blipFill>
+        </p:nvSpPr>
         <p:spPr>
           <a:xfrm>
-            <a:off x="2048251" y="1148598"/>
-            <a:ext cx="5047499" cy="3112014"/>
+            <a:off x="623454" y="1200150"/>
+            <a:ext cx="2323785" cy="3394472"/>
           </a:xfrm>
           <a:prstGeom prst="rect">
             <a:avLst/>
           </a:prstGeom>
         </p:spPr>
-      </p:pic>
+        <p:txBody>
+          <a:bodyPr vert="horz" lIns="91440" tIns="45720" rIns="91440" bIns="45720" rtlCol="0">
+            <a:normAutofit fontScale="92500"/>
+          </a:bodyPr>
+          <a:lstStyle>
+            <a:lvl1pPr marL="342900" indent="-342900" algn="l" defTabSz="914400" rtl="0" eaLnBrk="1" latinLnBrk="0" hangingPunct="1">
+              <a:spcBef>
+                <a:spcPct val="20000"/>
+              </a:spcBef>
+              <a:buFont typeface="Arial" pitchFamily="34" charset="0"/>
+              <a:buChar char="•"/>
+              <a:defRPr sz="1400" kern="1200">
+                <a:solidFill>
+                  <a:schemeClr val="bg1">
+                    <a:lumMod val="65000"/>
+                  </a:schemeClr>
+                </a:solidFill>
+                <a:latin typeface="+mn-lt"/>
+                <a:ea typeface="+mn-ea"/>
+                <a:cs typeface="+mn-cs"/>
+              </a:defRPr>
+            </a:lvl1pPr>
+            <a:lvl2pPr marL="742950" indent="-285750" algn="l" defTabSz="914400" rtl="0" eaLnBrk="1" latinLnBrk="0" hangingPunct="1">
+              <a:spcBef>
+                <a:spcPct val="20000"/>
+              </a:spcBef>
+              <a:buFont typeface="Arial" pitchFamily="34" charset="0"/>
+              <a:buChar char="–"/>
+              <a:defRPr sz="1200" kern="1200">
+                <a:solidFill>
+                  <a:schemeClr val="bg1">
+                    <a:lumMod val="65000"/>
+                  </a:schemeClr>
+                </a:solidFill>
+                <a:latin typeface="+mn-lt"/>
+                <a:ea typeface="+mn-ea"/>
+                <a:cs typeface="+mn-cs"/>
+              </a:defRPr>
+            </a:lvl2pPr>
+            <a:lvl3pPr marL="1143000" indent="-228600" algn="l" defTabSz="914400" rtl="0" eaLnBrk="1" latinLnBrk="0" hangingPunct="1">
+              <a:spcBef>
+                <a:spcPct val="20000"/>
+              </a:spcBef>
+              <a:buFont typeface="Arial" pitchFamily="34" charset="0"/>
+              <a:buChar char="•"/>
+              <a:defRPr sz="1100" kern="1200">
+                <a:solidFill>
+                  <a:schemeClr val="bg1">
+                    <a:lumMod val="65000"/>
+                  </a:schemeClr>
+                </a:solidFill>
+                <a:latin typeface="+mn-lt"/>
+                <a:ea typeface="+mn-ea"/>
+                <a:cs typeface="+mn-cs"/>
+              </a:defRPr>
+            </a:lvl3pPr>
+            <a:lvl4pPr marL="1600200" indent="-228600" algn="l" defTabSz="914400" rtl="0" eaLnBrk="1" latinLnBrk="0" hangingPunct="1">
+              <a:spcBef>
+                <a:spcPct val="20000"/>
+              </a:spcBef>
+              <a:buFont typeface="Arial" pitchFamily="34" charset="0"/>
+              <a:buChar char="–"/>
+              <a:defRPr sz="1050" kern="1200">
+                <a:solidFill>
+                  <a:schemeClr val="bg1">
+                    <a:lumMod val="65000"/>
+                  </a:schemeClr>
+                </a:solidFill>
+                <a:latin typeface="+mn-lt"/>
+                <a:ea typeface="+mn-ea"/>
+                <a:cs typeface="+mn-cs"/>
+              </a:defRPr>
+            </a:lvl4pPr>
+            <a:lvl5pPr marL="2057400" indent="-228600" algn="l" defTabSz="914400" rtl="0" eaLnBrk="1" latinLnBrk="0" hangingPunct="1">
+              <a:spcBef>
+                <a:spcPct val="20000"/>
+              </a:spcBef>
+              <a:buFont typeface="Arial" pitchFamily="34" charset="0"/>
+              <a:buChar char="»"/>
+              <a:defRPr sz="1050" kern="1200">
+                <a:solidFill>
+                  <a:schemeClr val="bg1">
+                    <a:lumMod val="65000"/>
+                  </a:schemeClr>
+                </a:solidFill>
+                <a:latin typeface="+mn-lt"/>
+                <a:ea typeface="+mn-ea"/>
+                <a:cs typeface="+mn-cs"/>
+              </a:defRPr>
+            </a:lvl5pPr>
+            <a:lvl6pPr marL="2514600" indent="-228600" algn="l" defTabSz="914400" rtl="0" eaLnBrk="1" latinLnBrk="0" hangingPunct="1">
+              <a:spcBef>
+                <a:spcPct val="20000"/>
+              </a:spcBef>
+              <a:buFont typeface="Arial" pitchFamily="34" charset="0"/>
+              <a:buChar char="•"/>
+              <a:defRPr sz="2000" kern="1200">
+                <a:solidFill>
+                  <a:schemeClr val="tx1"/>
+                </a:solidFill>
+                <a:latin typeface="+mn-lt"/>
+                <a:ea typeface="+mn-ea"/>
+                <a:cs typeface="+mn-cs"/>
+              </a:defRPr>
+            </a:lvl6pPr>
+            <a:lvl7pPr marL="2971800" indent="-228600" algn="l" defTabSz="914400" rtl="0" eaLnBrk="1" latinLnBrk="0" hangingPunct="1">
+              <a:spcBef>
+                <a:spcPct val="20000"/>
+              </a:spcBef>
+              <a:buFont typeface="Arial" pitchFamily="34" charset="0"/>
+              <a:buChar char="•"/>
+              <a:defRPr sz="2000" kern="1200">
+                <a:solidFill>
+                  <a:schemeClr val="tx1"/>
+                </a:solidFill>
+                <a:latin typeface="+mn-lt"/>
+                <a:ea typeface="+mn-ea"/>
+                <a:cs typeface="+mn-cs"/>
+              </a:defRPr>
+            </a:lvl7pPr>
+            <a:lvl8pPr marL="3429000" indent="-228600" algn="l" defTabSz="914400" rtl="0" eaLnBrk="1" latinLnBrk="0" hangingPunct="1">
+              <a:spcBef>
+                <a:spcPct val="20000"/>
+              </a:spcBef>
+              <a:buFont typeface="Arial" pitchFamily="34" charset="0"/>
+              <a:buChar char="•"/>
+              <a:defRPr sz="2000" kern="1200">
+                <a:solidFill>
+                  <a:schemeClr val="tx1"/>
+                </a:solidFill>
+                <a:latin typeface="+mn-lt"/>
+                <a:ea typeface="+mn-ea"/>
+                <a:cs typeface="+mn-cs"/>
+              </a:defRPr>
+            </a:lvl8pPr>
+            <a:lvl9pPr marL="3886200" indent="-228600" algn="l" defTabSz="914400" rtl="0" eaLnBrk="1" latinLnBrk="0" hangingPunct="1">
+              <a:spcBef>
+                <a:spcPct val="20000"/>
+              </a:spcBef>
+              <a:buFont typeface="Arial" pitchFamily="34" charset="0"/>
+              <a:buChar char="•"/>
+              <a:defRPr sz="2000" kern="1200">
+                <a:solidFill>
+                  <a:schemeClr val="tx1"/>
+                </a:solidFill>
+                <a:latin typeface="+mn-lt"/>
+                <a:ea typeface="+mn-ea"/>
+                <a:cs typeface="+mn-cs"/>
+              </a:defRPr>
+            </a:lvl9pPr>
+          </a:lstStyle>
+          <a:p>
+            <a:r>
+              <a:rPr lang="en-US" sz="2400" dirty="0" smtClean="0"/>
+              <a:t>Most of the values concentrated at the origin</a:t>
+            </a:r>
+          </a:p>
+          <a:p>
+            <a:r>
+              <a:rPr lang="en-US" sz="2400" dirty="0" smtClean="0"/>
+              <a:t>Not quite clear what’s going on</a:t>
+            </a:r>
+          </a:p>
+          <a:p>
+            <a:r>
+              <a:rPr lang="en-US" sz="2400" dirty="0" smtClean="0"/>
+              <a:t>Can we transform the data?</a:t>
+            </a:r>
+          </a:p>
+          <a:p>
+            <a:pPr marL="0" indent="0">
+              <a:buNone/>
+            </a:pPr>
+            <a:endParaRPr lang="en-US" sz="2400" dirty="0" smtClean="0"/>
+          </a:p>
+          <a:p>
+            <a:pPr marL="0" indent="0">
+              <a:buFont typeface="Arial" pitchFamily="34" charset="0"/>
+              <a:buNone/>
+            </a:pPr>
+            <a:endParaRPr lang="en-US" sz="2400" dirty="0" smtClean="0"/>
+          </a:p>
+        </p:txBody>
+      </p:sp>
+      <p:sp>
+        <p:nvSpPr>
+          <p:cNvPr id="7" name="TextBox 6"/>
+          <p:cNvSpPr txBox="1"/>
+          <p:nvPr/>
+        </p:nvSpPr>
+        <p:spPr>
+          <a:xfrm>
+            <a:off x="3710603" y="4409956"/>
+            <a:ext cx="4526432" cy="369332"/>
+          </a:xfrm>
+          <a:prstGeom prst="rect">
+            <a:avLst/>
+          </a:prstGeom>
+          <a:noFill/>
+        </p:spPr>
+        <p:txBody>
+          <a:bodyPr wrap="none" rtlCol="0">
+            <a:spAutoFit/>
+          </a:bodyPr>
+          <a:lstStyle/>
+          <a:p>
+            <a:r>
+              <a:rPr lang="en-US" dirty="0" smtClean="0"/>
+              <a:t>Total volume of brown fat  density distribution</a:t>
+            </a:r>
+            <a:endParaRPr lang="de-DE" dirty="0"/>
+          </a:p>
+        </p:txBody>
+      </p:sp>
     </p:spTree>
     <p:extLst>
       <p:ext uri="{BB962C8B-B14F-4D97-AF65-F5344CB8AC3E}">
@@ -5854,67 +6234,241 @@
           <a:p>
             <a:r>
               <a:rPr lang="en-US" dirty="0" smtClean="0"/>
-              <a:t>Biology is often discrete</a:t>
+              <a:t>Data transformation</a:t>
             </a:r>
             <a:endParaRPr lang="de-DE" dirty="0"/>
           </a:p>
         </p:txBody>
       </p:sp>
-      <p:sp>
-        <p:nvSpPr>
-          <p:cNvPr id="3" name="Content Placeholder 2"/>
-          <p:cNvSpPr>
-            <a:spLocks noGrp="1"/>
+      <p:pic>
+        <p:nvPicPr>
+          <p:cNvPr id="4" name="Picture 3"/>
+          <p:cNvPicPr>
+            <a:picLocks noChangeAspect="1"/>
+          </p:cNvPicPr>
+          <p:nvPr/>
+        </p:nvPicPr>
+        <p:blipFill>
+          <a:blip r:embed="rId3" cstate="print">
+            <a:extLst>
+              <a:ext uri="{28A0092B-C50C-407E-A947-70E740481C1C}">
+                <a14:useLocalDpi xmlns:a14="http://schemas.microsoft.com/office/drawing/2010/main" val="0"/>
+              </a:ext>
+            </a:extLst>
+          </a:blip>
+          <a:stretch>
+            <a:fillRect/>
+          </a:stretch>
+        </p:blipFill>
+        <p:spPr>
+          <a:xfrm>
+            <a:off x="3398572" y="1404447"/>
+            <a:ext cx="5047498" cy="3112014"/>
+          </a:xfrm>
+          <a:prstGeom prst="rect">
+            <a:avLst/>
+          </a:prstGeom>
+        </p:spPr>
+      </p:pic>
+      <p:sp>
+        <p:nvSpPr>
+          <p:cNvPr id="5" name="Content Placeholder 2"/>
+          <p:cNvSpPr txBox="1">
+            <a:spLocks/>
           </p:cNvSpPr>
-          <p:nvPr>
-            <p:ph idx="1"/>
-          </p:nvPr>
-        </p:nvSpPr>
-        <p:spPr/>
-        <p:txBody>
-          <a:bodyPr>
-            <a:normAutofit/>
+          <p:nvPr/>
+        </p:nvSpPr>
+        <p:spPr>
+          <a:xfrm>
+            <a:off x="623454" y="1200150"/>
+            <a:ext cx="2323785" cy="3394472"/>
+          </a:xfrm>
+          <a:prstGeom prst="rect">
+            <a:avLst/>
+          </a:prstGeom>
+        </p:spPr>
+        <p:txBody>
+          <a:bodyPr vert="horz" lIns="91440" tIns="45720" rIns="91440" bIns="45720" rtlCol="0">
+            <a:normAutofit fontScale="92500"/>
           </a:bodyPr>
-          <a:lstStyle/>
+          <a:lstStyle>
+            <a:lvl1pPr marL="342900" indent="-342900" algn="l" defTabSz="914400" rtl="0" eaLnBrk="1" latinLnBrk="0" hangingPunct="1">
+              <a:spcBef>
+                <a:spcPct val="20000"/>
+              </a:spcBef>
+              <a:buFont typeface="Arial" pitchFamily="34" charset="0"/>
+              <a:buChar char="•"/>
+              <a:defRPr sz="1400" kern="1200">
+                <a:solidFill>
+                  <a:schemeClr val="bg1">
+                    <a:lumMod val="65000"/>
+                  </a:schemeClr>
+                </a:solidFill>
+                <a:latin typeface="+mn-lt"/>
+                <a:ea typeface="+mn-ea"/>
+                <a:cs typeface="+mn-cs"/>
+              </a:defRPr>
+            </a:lvl1pPr>
+            <a:lvl2pPr marL="742950" indent="-285750" algn="l" defTabSz="914400" rtl="0" eaLnBrk="1" latinLnBrk="0" hangingPunct="1">
+              <a:spcBef>
+                <a:spcPct val="20000"/>
+              </a:spcBef>
+              <a:buFont typeface="Arial" pitchFamily="34" charset="0"/>
+              <a:buChar char="–"/>
+              <a:defRPr sz="1200" kern="1200">
+                <a:solidFill>
+                  <a:schemeClr val="bg1">
+                    <a:lumMod val="65000"/>
+                  </a:schemeClr>
+                </a:solidFill>
+                <a:latin typeface="+mn-lt"/>
+                <a:ea typeface="+mn-ea"/>
+                <a:cs typeface="+mn-cs"/>
+              </a:defRPr>
+            </a:lvl2pPr>
+            <a:lvl3pPr marL="1143000" indent="-228600" algn="l" defTabSz="914400" rtl="0" eaLnBrk="1" latinLnBrk="0" hangingPunct="1">
+              <a:spcBef>
+                <a:spcPct val="20000"/>
+              </a:spcBef>
+              <a:buFont typeface="Arial" pitchFamily="34" charset="0"/>
+              <a:buChar char="•"/>
+              <a:defRPr sz="1100" kern="1200">
+                <a:solidFill>
+                  <a:schemeClr val="bg1">
+                    <a:lumMod val="65000"/>
+                  </a:schemeClr>
+                </a:solidFill>
+                <a:latin typeface="+mn-lt"/>
+                <a:ea typeface="+mn-ea"/>
+                <a:cs typeface="+mn-cs"/>
+              </a:defRPr>
+            </a:lvl3pPr>
+            <a:lvl4pPr marL="1600200" indent="-228600" algn="l" defTabSz="914400" rtl="0" eaLnBrk="1" latinLnBrk="0" hangingPunct="1">
+              <a:spcBef>
+                <a:spcPct val="20000"/>
+              </a:spcBef>
+              <a:buFont typeface="Arial" pitchFamily="34" charset="0"/>
+              <a:buChar char="–"/>
+              <a:defRPr sz="1050" kern="1200">
+                <a:solidFill>
+                  <a:schemeClr val="bg1">
+                    <a:lumMod val="65000"/>
+                  </a:schemeClr>
+                </a:solidFill>
+                <a:latin typeface="+mn-lt"/>
+                <a:ea typeface="+mn-ea"/>
+                <a:cs typeface="+mn-cs"/>
+              </a:defRPr>
+            </a:lvl4pPr>
+            <a:lvl5pPr marL="2057400" indent="-228600" algn="l" defTabSz="914400" rtl="0" eaLnBrk="1" latinLnBrk="0" hangingPunct="1">
+              <a:spcBef>
+                <a:spcPct val="20000"/>
+              </a:spcBef>
+              <a:buFont typeface="Arial" pitchFamily="34" charset="0"/>
+              <a:buChar char="»"/>
+              <a:defRPr sz="1050" kern="1200">
+                <a:solidFill>
+                  <a:schemeClr val="bg1">
+                    <a:lumMod val="65000"/>
+                  </a:schemeClr>
+                </a:solidFill>
+                <a:latin typeface="+mn-lt"/>
+                <a:ea typeface="+mn-ea"/>
+                <a:cs typeface="+mn-cs"/>
+              </a:defRPr>
+            </a:lvl5pPr>
+            <a:lvl6pPr marL="2514600" indent="-228600" algn="l" defTabSz="914400" rtl="0" eaLnBrk="1" latinLnBrk="0" hangingPunct="1">
+              <a:spcBef>
+                <a:spcPct val="20000"/>
+              </a:spcBef>
+              <a:buFont typeface="Arial" pitchFamily="34" charset="0"/>
+              <a:buChar char="•"/>
+              <a:defRPr sz="2000" kern="1200">
+                <a:solidFill>
+                  <a:schemeClr val="tx1"/>
+                </a:solidFill>
+                <a:latin typeface="+mn-lt"/>
+                <a:ea typeface="+mn-ea"/>
+                <a:cs typeface="+mn-cs"/>
+              </a:defRPr>
+            </a:lvl6pPr>
+            <a:lvl7pPr marL="2971800" indent="-228600" algn="l" defTabSz="914400" rtl="0" eaLnBrk="1" latinLnBrk="0" hangingPunct="1">
+              <a:spcBef>
+                <a:spcPct val="20000"/>
+              </a:spcBef>
+              <a:buFont typeface="Arial" pitchFamily="34" charset="0"/>
+              <a:buChar char="•"/>
+              <a:defRPr sz="2000" kern="1200">
+                <a:solidFill>
+                  <a:schemeClr val="tx1"/>
+                </a:solidFill>
+                <a:latin typeface="+mn-lt"/>
+                <a:ea typeface="+mn-ea"/>
+                <a:cs typeface="+mn-cs"/>
+              </a:defRPr>
+            </a:lvl7pPr>
+            <a:lvl8pPr marL="3429000" indent="-228600" algn="l" defTabSz="914400" rtl="0" eaLnBrk="1" latinLnBrk="0" hangingPunct="1">
+              <a:spcBef>
+                <a:spcPct val="20000"/>
+              </a:spcBef>
+              <a:buFont typeface="Arial" pitchFamily="34" charset="0"/>
+              <a:buChar char="•"/>
+              <a:defRPr sz="2000" kern="1200">
+                <a:solidFill>
+                  <a:schemeClr val="tx1"/>
+                </a:solidFill>
+                <a:latin typeface="+mn-lt"/>
+                <a:ea typeface="+mn-ea"/>
+                <a:cs typeface="+mn-cs"/>
+              </a:defRPr>
+            </a:lvl8pPr>
+            <a:lvl9pPr marL="3886200" indent="-228600" algn="l" defTabSz="914400" rtl="0" eaLnBrk="1" latinLnBrk="0" hangingPunct="1">
+              <a:spcBef>
+                <a:spcPct val="20000"/>
+              </a:spcBef>
+              <a:buFont typeface="Arial" pitchFamily="34" charset="0"/>
+              <a:buChar char="•"/>
+              <a:defRPr sz="2000" kern="1200">
+                <a:solidFill>
+                  <a:schemeClr val="tx1"/>
+                </a:solidFill>
+                <a:latin typeface="+mn-lt"/>
+                <a:ea typeface="+mn-ea"/>
+                <a:cs typeface="+mn-cs"/>
+              </a:defRPr>
+            </a:lvl9pPr>
+          </a:lstStyle>
           <a:p>
             <a:r>
               <a:rPr lang="en-US" sz="2400" dirty="0" smtClean="0"/>
-              <a:t>Counting the number of bacteria</a:t>
+              <a:t>Log transformation of the measurements</a:t>
             </a:r>
           </a:p>
           <a:p>
             <a:r>
               <a:rPr lang="en-US" sz="2400" dirty="0" smtClean="0"/>
-              <a:t>The sequence of DNA {A, G, C, T}</a:t>
-            </a:r>
-          </a:p>
-          <a:p>
-            <a:r>
-              <a:rPr lang="en-US" sz="2400" dirty="0"/>
-              <a:t>#</a:t>
-            </a:r>
+              <a:t>Data points are much more spread out</a:t>
+            </a:r>
+          </a:p>
+          <a:p>
             <a:r>
               <a:rPr lang="en-US" sz="2400" dirty="0" smtClean="0"/>
-              <a:t>DNA Sequencing reads mapping to a transcript in a </a:t>
-            </a:r>
-            <a:r>
-              <a:rPr lang="en-US" sz="2400" dirty="0" err="1" smtClean="0"/>
-              <a:t>RNAseq</a:t>
-            </a:r>
-            <a:r>
-              <a:rPr lang="en-US" sz="2400" dirty="0" smtClean="0"/>
-              <a:t> experiment</a:t>
-            </a:r>
-          </a:p>
-          <a:p>
-            <a:endParaRPr lang="de-DE" dirty="0"/>
+              <a:t>Look normal distributed</a:t>
+            </a:r>
+          </a:p>
+          <a:p>
+            <a:pPr marL="0" indent="0">
+              <a:buFont typeface="Arial" pitchFamily="34" charset="0"/>
+              <a:buNone/>
+            </a:pPr>
+            <a:endParaRPr lang="en-US" sz="2400" dirty="0" smtClean="0"/>
           </a:p>
         </p:txBody>
       </p:sp>
     </p:spTree>
     <p:extLst>
       <p:ext uri="{BB962C8B-B14F-4D97-AF65-F5344CB8AC3E}">
-        <p14:creationId xmlns:p14="http://schemas.microsoft.com/office/powerpoint/2010/main" val="1513950495"/>
+        <p14:creationId xmlns:p14="http://schemas.microsoft.com/office/powerpoint/2010/main" val="2968512550"/>
       </p:ext>
     </p:extLst>
   </p:cSld>
@@ -5951,6 +6505,680 @@
             <p:ph type="title"/>
           </p:nvPr>
         </p:nvSpPr>
+        <p:spPr/>
+        <p:txBody>
+          <a:bodyPr/>
+          <a:lstStyle/>
+          <a:p>
+            <a:r>
+              <a:rPr lang="en-US" dirty="0" smtClean="0"/>
+              <a:t>Log transformation in R</a:t>
+            </a:r>
+            <a:endParaRPr lang="de-DE" dirty="0"/>
+          </a:p>
+        </p:txBody>
+      </p:sp>
+      <p:pic>
+        <p:nvPicPr>
+          <p:cNvPr id="1026" name="Picture 2"/>
+          <p:cNvPicPr>
+            <a:picLocks noChangeAspect="1" noChangeArrowheads="1"/>
+          </p:cNvPicPr>
+          <p:nvPr/>
+        </p:nvPicPr>
+        <p:blipFill>
+          <a:blip r:embed="rId2">
+            <a:extLst>
+              <a:ext uri="{28A0092B-C50C-407E-A947-70E740481C1C}">
+                <a14:useLocalDpi xmlns:a14="http://schemas.microsoft.com/office/drawing/2010/main" val="0"/>
+              </a:ext>
+            </a:extLst>
+          </a:blip>
+          <a:srcRect/>
+          <a:stretch>
+            <a:fillRect/>
+          </a:stretch>
+        </p:blipFill>
+        <p:spPr bwMode="auto">
+          <a:xfrm>
+            <a:off x="483649" y="1216651"/>
+            <a:ext cx="8078459" cy="942229"/>
+          </a:xfrm>
+          <a:prstGeom prst="rect">
+            <a:avLst/>
+          </a:prstGeom>
+          <a:noFill/>
+          <a:ln>
+            <a:noFill/>
+          </a:ln>
+          <a:extLst>
+            <a:ext uri="{909E8E84-426E-40DD-AFC4-6F175D3DCCD1}">
+              <a14:hiddenFill xmlns:a14="http://schemas.microsoft.com/office/drawing/2010/main">
+                <a:solidFill>
+                  <a:schemeClr val="accent1"/>
+                </a:solidFill>
+              </a14:hiddenFill>
+            </a:ext>
+            <a:ext uri="{91240B29-F687-4F45-9708-019B960494DF}">
+              <a14:hiddenLine xmlns:a14="http://schemas.microsoft.com/office/drawing/2010/main" w="9525">
+                <a:solidFill>
+                  <a:schemeClr val="tx1"/>
+                </a:solidFill>
+                <a:miter lim="800000"/>
+                <a:headEnd/>
+                <a:tailEnd/>
+              </a14:hiddenLine>
+            </a:ext>
+          </a:extLst>
+        </p:spPr>
+      </p:pic>
+      <mc:AlternateContent xmlns:mc="http://schemas.openxmlformats.org/markup-compatibility/2006">
+        <mc:Choice xmlns:a14="http://schemas.microsoft.com/office/drawing/2010/main" Requires="a14">
+          <p:sp>
+            <p:nvSpPr>
+              <p:cNvPr id="6" name="Content Placeholder 2"/>
+              <p:cNvSpPr txBox="1">
+                <a:spLocks/>
+              </p:cNvSpPr>
+              <p:nvPr/>
+            </p:nvSpPr>
+            <p:spPr>
+              <a:xfrm>
+                <a:off x="457200" y="2433361"/>
+                <a:ext cx="8229600" cy="2161261"/>
+              </a:xfrm>
+              <a:prstGeom prst="rect">
+                <a:avLst/>
+              </a:prstGeom>
+            </p:spPr>
+            <p:txBody>
+              <a:bodyPr vert="horz" lIns="91440" tIns="45720" rIns="91440" bIns="45720" rtlCol="0">
+                <a:normAutofit/>
+              </a:bodyPr>
+              <a:lstStyle>
+                <a:lvl1pPr marL="342900" indent="-342900" algn="l" defTabSz="914400" rtl="0" eaLnBrk="1" latinLnBrk="0" hangingPunct="1">
+                  <a:spcBef>
+                    <a:spcPct val="20000"/>
+                  </a:spcBef>
+                  <a:buFont typeface="Arial" pitchFamily="34" charset="0"/>
+                  <a:buChar char="•"/>
+                  <a:defRPr sz="1400" kern="1200">
+                    <a:solidFill>
+                      <a:schemeClr val="bg1">
+                        <a:lumMod val="65000"/>
+                      </a:schemeClr>
+                    </a:solidFill>
+                    <a:latin typeface="+mn-lt"/>
+                    <a:ea typeface="+mn-ea"/>
+                    <a:cs typeface="+mn-cs"/>
+                  </a:defRPr>
+                </a:lvl1pPr>
+                <a:lvl2pPr marL="742950" indent="-285750" algn="l" defTabSz="914400" rtl="0" eaLnBrk="1" latinLnBrk="0" hangingPunct="1">
+                  <a:spcBef>
+                    <a:spcPct val="20000"/>
+                  </a:spcBef>
+                  <a:buFont typeface="Arial" pitchFamily="34" charset="0"/>
+                  <a:buChar char="–"/>
+                  <a:defRPr sz="1200" kern="1200">
+                    <a:solidFill>
+                      <a:schemeClr val="bg1">
+                        <a:lumMod val="65000"/>
+                      </a:schemeClr>
+                    </a:solidFill>
+                    <a:latin typeface="+mn-lt"/>
+                    <a:ea typeface="+mn-ea"/>
+                    <a:cs typeface="+mn-cs"/>
+                  </a:defRPr>
+                </a:lvl2pPr>
+                <a:lvl3pPr marL="1143000" indent="-228600" algn="l" defTabSz="914400" rtl="0" eaLnBrk="1" latinLnBrk="0" hangingPunct="1">
+                  <a:spcBef>
+                    <a:spcPct val="20000"/>
+                  </a:spcBef>
+                  <a:buFont typeface="Arial" pitchFamily="34" charset="0"/>
+                  <a:buChar char="•"/>
+                  <a:defRPr sz="1100" kern="1200">
+                    <a:solidFill>
+                      <a:schemeClr val="bg1">
+                        <a:lumMod val="65000"/>
+                      </a:schemeClr>
+                    </a:solidFill>
+                    <a:latin typeface="+mn-lt"/>
+                    <a:ea typeface="+mn-ea"/>
+                    <a:cs typeface="+mn-cs"/>
+                  </a:defRPr>
+                </a:lvl3pPr>
+                <a:lvl4pPr marL="1600200" indent="-228600" algn="l" defTabSz="914400" rtl="0" eaLnBrk="1" latinLnBrk="0" hangingPunct="1">
+                  <a:spcBef>
+                    <a:spcPct val="20000"/>
+                  </a:spcBef>
+                  <a:buFont typeface="Arial" pitchFamily="34" charset="0"/>
+                  <a:buChar char="–"/>
+                  <a:defRPr sz="1050" kern="1200">
+                    <a:solidFill>
+                      <a:schemeClr val="bg1">
+                        <a:lumMod val="65000"/>
+                      </a:schemeClr>
+                    </a:solidFill>
+                    <a:latin typeface="+mn-lt"/>
+                    <a:ea typeface="+mn-ea"/>
+                    <a:cs typeface="+mn-cs"/>
+                  </a:defRPr>
+                </a:lvl4pPr>
+                <a:lvl5pPr marL="2057400" indent="-228600" algn="l" defTabSz="914400" rtl="0" eaLnBrk="1" latinLnBrk="0" hangingPunct="1">
+                  <a:spcBef>
+                    <a:spcPct val="20000"/>
+                  </a:spcBef>
+                  <a:buFont typeface="Arial" pitchFamily="34" charset="0"/>
+                  <a:buChar char="»"/>
+                  <a:defRPr sz="1050" kern="1200">
+                    <a:solidFill>
+                      <a:schemeClr val="bg1">
+                        <a:lumMod val="65000"/>
+                      </a:schemeClr>
+                    </a:solidFill>
+                    <a:latin typeface="+mn-lt"/>
+                    <a:ea typeface="+mn-ea"/>
+                    <a:cs typeface="+mn-cs"/>
+                  </a:defRPr>
+                </a:lvl5pPr>
+                <a:lvl6pPr marL="2514600" indent="-228600" algn="l" defTabSz="914400" rtl="0" eaLnBrk="1" latinLnBrk="0" hangingPunct="1">
+                  <a:spcBef>
+                    <a:spcPct val="20000"/>
+                  </a:spcBef>
+                  <a:buFont typeface="Arial" pitchFamily="34" charset="0"/>
+                  <a:buChar char="•"/>
+                  <a:defRPr sz="2000" kern="1200">
+                    <a:solidFill>
+                      <a:schemeClr val="tx1"/>
+                    </a:solidFill>
+                    <a:latin typeface="+mn-lt"/>
+                    <a:ea typeface="+mn-ea"/>
+                    <a:cs typeface="+mn-cs"/>
+                  </a:defRPr>
+                </a:lvl6pPr>
+                <a:lvl7pPr marL="2971800" indent="-228600" algn="l" defTabSz="914400" rtl="0" eaLnBrk="1" latinLnBrk="0" hangingPunct="1">
+                  <a:spcBef>
+                    <a:spcPct val="20000"/>
+                  </a:spcBef>
+                  <a:buFont typeface="Arial" pitchFamily="34" charset="0"/>
+                  <a:buChar char="•"/>
+                  <a:defRPr sz="2000" kern="1200">
+                    <a:solidFill>
+                      <a:schemeClr val="tx1"/>
+                    </a:solidFill>
+                    <a:latin typeface="+mn-lt"/>
+                    <a:ea typeface="+mn-ea"/>
+                    <a:cs typeface="+mn-cs"/>
+                  </a:defRPr>
+                </a:lvl7pPr>
+                <a:lvl8pPr marL="3429000" indent="-228600" algn="l" defTabSz="914400" rtl="0" eaLnBrk="1" latinLnBrk="0" hangingPunct="1">
+                  <a:spcBef>
+                    <a:spcPct val="20000"/>
+                  </a:spcBef>
+                  <a:buFont typeface="Arial" pitchFamily="34" charset="0"/>
+                  <a:buChar char="•"/>
+                  <a:defRPr sz="2000" kern="1200">
+                    <a:solidFill>
+                      <a:schemeClr val="tx1"/>
+                    </a:solidFill>
+                    <a:latin typeface="+mn-lt"/>
+                    <a:ea typeface="+mn-ea"/>
+                    <a:cs typeface="+mn-cs"/>
+                  </a:defRPr>
+                </a:lvl8pPr>
+                <a:lvl9pPr marL="3886200" indent="-228600" algn="l" defTabSz="914400" rtl="0" eaLnBrk="1" latinLnBrk="0" hangingPunct="1">
+                  <a:spcBef>
+                    <a:spcPct val="20000"/>
+                  </a:spcBef>
+                  <a:buFont typeface="Arial" pitchFamily="34" charset="0"/>
+                  <a:buChar char="•"/>
+                  <a:defRPr sz="2000" kern="1200">
+                    <a:solidFill>
+                      <a:schemeClr val="tx1"/>
+                    </a:solidFill>
+                    <a:latin typeface="+mn-lt"/>
+                    <a:ea typeface="+mn-ea"/>
+                    <a:cs typeface="+mn-cs"/>
+                  </a:defRPr>
+                </a:lvl9pPr>
+              </a:lstStyle>
+              <a:p>
+                <a:r>
+                  <a:rPr lang="en-US" sz="2400" dirty="0" smtClean="0"/>
+                  <a:t>Let’s try out some other transformations like x</a:t>
+                </a:r>
+                <a:r>
+                  <a:rPr lang="en-US" sz="2400" baseline="30000" dirty="0" smtClean="0"/>
+                  <a:t>2</a:t>
+                </a:r>
+                <a:r>
+                  <a:rPr lang="en-US" sz="2400" dirty="0" smtClean="0"/>
+                  <a:t> ,</a:t>
+                </a:r>
+                <a14:m>
+                  <m:oMath xmlns:m="http://schemas.openxmlformats.org/officeDocument/2006/math">
+                    <m:rad>
+                      <m:radPr>
+                        <m:degHide m:val="on"/>
+                        <m:ctrlPr>
+                          <a:rPr lang="en-US" sz="2400" i="1" smtClean="0">
+                            <a:latin typeface="Cambria Math"/>
+                          </a:rPr>
+                        </m:ctrlPr>
+                      </m:radPr>
+                      <m:deg/>
+                      <m:e>
+                        <m:r>
+                          <a:rPr lang="en-US" sz="2400" b="0" i="1" smtClean="0">
+                            <a:latin typeface="Cambria Math"/>
+                          </a:rPr>
+                          <m:t>𝑥</m:t>
+                        </m:r>
+                      </m:e>
+                    </m:rad>
+                  </m:oMath>
+                </a14:m>
+                <a:r>
+                  <a:rPr lang="en-US" sz="2400" dirty="0" smtClean="0"/>
+                  <a:t>, e</a:t>
+                </a:r>
+                <a:r>
+                  <a:rPr lang="en-US" sz="2400" baseline="30000" dirty="0" smtClean="0"/>
+                  <a:t>x</a:t>
+                </a:r>
+                <a:r>
+                  <a:rPr lang="en-US" sz="2400" dirty="0" smtClean="0"/>
+                  <a:t> you can use the R function </a:t>
+                </a:r>
+                <a:r>
+                  <a:rPr lang="en-US" sz="2400" dirty="0" err="1" smtClean="0"/>
+                  <a:t>exp</a:t>
+                </a:r>
+                <a:r>
+                  <a:rPr lang="en-US" sz="2400" dirty="0" smtClean="0"/>
+                  <a:t> to compute the exponential function</a:t>
+                </a:r>
+                <a:endParaRPr lang="en-US" sz="2400" dirty="0" smtClean="0"/>
+              </a:p>
+            </p:txBody>
+          </p:sp>
+        </mc:Choice>
+        <mc:Fallback>
+          <p:sp>
+            <p:nvSpPr>
+              <p:cNvPr id="6" name="Content Placeholder 2"/>
+              <p:cNvSpPr txBox="1">
+                <a:spLocks noRot="1" noChangeAspect="1" noMove="1" noResize="1" noEditPoints="1" noAdjustHandles="1" noChangeArrowheads="1" noChangeShapeType="1" noTextEdit="1"/>
+              </p:cNvSpPr>
+              <p:nvPr/>
+            </p:nvSpPr>
+            <p:spPr>
+              <a:xfrm>
+                <a:off x="457200" y="2433361"/>
+                <a:ext cx="8229600" cy="2161261"/>
+              </a:xfrm>
+              <a:prstGeom prst="rect">
+                <a:avLst/>
+              </a:prstGeom>
+              <a:blipFill rotWithShape="1">
+                <a:blip r:embed="rId3"/>
+                <a:stretch>
+                  <a:fillRect l="-963" t="-1972"/>
+                </a:stretch>
+              </a:blipFill>
+            </p:spPr>
+            <p:txBody>
+              <a:bodyPr/>
+              <a:lstStyle/>
+              <a:p>
+                <a:r>
+                  <a:rPr lang="de-DE">
+                    <a:noFill/>
+                  </a:rPr>
+                  <a:t> </a:t>
+                </a:r>
+              </a:p>
+            </p:txBody>
+          </p:sp>
+        </mc:Fallback>
+      </mc:AlternateContent>
+    </p:spTree>
+    <p:extLst>
+      <p:ext uri="{BB962C8B-B14F-4D97-AF65-F5344CB8AC3E}">
+        <p14:creationId xmlns:p14="http://schemas.microsoft.com/office/powerpoint/2010/main" val="2161168577"/>
+      </p:ext>
+    </p:extLst>
+  </p:cSld>
+  <p:clrMapOvr>
+    <a:masterClrMapping/>
+  </p:clrMapOvr>
+</p:sld>
+</file>
+
+<file path=ppt/slides/slide13.xml><?xml version="1.0" encoding="utf-8"?>
+<p:sld xmlns:a="http://schemas.openxmlformats.org/drawingml/2006/main" xmlns:r="http://schemas.openxmlformats.org/officeDocument/2006/relationships" xmlns:p="http://schemas.openxmlformats.org/presentationml/2006/main">
+  <p:cSld>
+    <p:spTree>
+      <p:nvGrpSpPr>
+        <p:cNvPr id="1" name=""/>
+        <p:cNvGrpSpPr/>
+        <p:nvPr/>
+      </p:nvGrpSpPr>
+      <p:grpSpPr>
+        <a:xfrm>
+          <a:off x="0" y="0"/>
+          <a:ext cx="0" cy="0"/>
+          <a:chOff x="0" y="0"/>
+          <a:chExt cx="0" cy="0"/>
+        </a:xfrm>
+      </p:grpSpPr>
+      <p:sp>
+        <p:nvSpPr>
+          <p:cNvPr id="2" name="Title 1"/>
+          <p:cNvSpPr>
+            <a:spLocks noGrp="1"/>
+          </p:cNvSpPr>
+          <p:nvPr>
+            <p:ph type="title"/>
+          </p:nvPr>
+        </p:nvSpPr>
+        <p:spPr/>
+        <p:txBody>
+          <a:bodyPr/>
+          <a:lstStyle/>
+          <a:p>
+            <a:r>
+              <a:rPr lang="en-US" dirty="0" smtClean="0"/>
+              <a:t>Log-normal distribution</a:t>
+            </a:r>
+            <a:endParaRPr lang="de-DE" dirty="0"/>
+          </a:p>
+        </p:txBody>
+      </p:sp>
+      <p:sp>
+        <p:nvSpPr>
+          <p:cNvPr id="3" name="Content Placeholder 2"/>
+          <p:cNvSpPr>
+            <a:spLocks noGrp="1"/>
+          </p:cNvSpPr>
+          <p:nvPr>
+            <p:ph idx="1"/>
+          </p:nvPr>
+        </p:nvSpPr>
+        <p:spPr>
+          <a:xfrm>
+            <a:off x="457199" y="1200151"/>
+            <a:ext cx="2792321" cy="3394472"/>
+          </a:xfrm>
+        </p:spPr>
+        <p:txBody>
+          <a:bodyPr>
+            <a:normAutofit/>
+          </a:bodyPr>
+          <a:lstStyle/>
+          <a:p>
+            <a:r>
+              <a:rPr lang="en-US" sz="2400" dirty="0" smtClean="0"/>
+              <a:t>Often the logarithm of a variable is normal distributed</a:t>
+            </a:r>
+          </a:p>
+          <a:p>
+            <a:r>
+              <a:rPr lang="en-US" sz="2400" dirty="0" smtClean="0"/>
+              <a:t>log(x) </a:t>
+            </a:r>
+            <a:r>
+              <a:rPr lang="en-US" sz="2400" dirty="0"/>
+              <a:t>~ N(</a:t>
+            </a:r>
+            <a:r>
+              <a:rPr lang="el-GR" sz="2400" dirty="0"/>
+              <a:t>μ</a:t>
+            </a:r>
+            <a:r>
+              <a:rPr lang="en-US" sz="2400" dirty="0"/>
+              <a:t>,</a:t>
+            </a:r>
+            <a:r>
+              <a:rPr lang="el-GR" sz="2400" dirty="0"/>
+              <a:t> σ</a:t>
+            </a:r>
+            <a:r>
+              <a:rPr lang="en-US" sz="2400" baseline="30000" dirty="0"/>
+              <a:t>2</a:t>
+            </a:r>
+            <a:r>
+              <a:rPr lang="en-US" sz="2400" dirty="0" smtClean="0"/>
+              <a:t>)</a:t>
+            </a:r>
+          </a:p>
+          <a:p>
+            <a:r>
+              <a:rPr lang="en-US" sz="2400" dirty="0" smtClean="0"/>
+              <a:t>X  ~ </a:t>
+            </a:r>
+            <a:br>
+              <a:rPr lang="en-US" sz="2400" dirty="0" smtClean="0"/>
+            </a:br>
+            <a:r>
+              <a:rPr lang="en-US" sz="2400" dirty="0" smtClean="0"/>
+              <a:t>lognormal(</a:t>
+            </a:r>
+            <a:r>
+              <a:rPr lang="el-GR" sz="2400" dirty="0" smtClean="0"/>
+              <a:t>μ</a:t>
+            </a:r>
+            <a:r>
+              <a:rPr lang="en-US" sz="2400" dirty="0" smtClean="0"/>
+              <a:t>,</a:t>
+            </a:r>
+            <a:r>
+              <a:rPr lang="el-GR" sz="2400" dirty="0" smtClean="0"/>
+              <a:t> σ</a:t>
+            </a:r>
+            <a:r>
+              <a:rPr lang="en-US" sz="2400" baseline="30000" dirty="0" smtClean="0"/>
+              <a:t>2</a:t>
+            </a:r>
+            <a:r>
+              <a:rPr lang="en-US" sz="2400" dirty="0" smtClean="0"/>
+              <a:t>)</a:t>
+            </a:r>
+          </a:p>
+          <a:p>
+            <a:r>
+              <a:rPr lang="en-US" sz="2400" dirty="0" smtClean="0"/>
+              <a:t>R:</a:t>
+            </a:r>
+            <a:r>
+              <a:rPr lang="en-US" sz="2400" i="1" dirty="0" smtClean="0"/>
+              <a:t> </a:t>
+            </a:r>
+            <a:r>
+              <a:rPr lang="en-US" sz="2400" i="1" dirty="0" err="1" smtClean="0"/>
+              <a:t>dlnorm</a:t>
+            </a:r>
+            <a:endParaRPr lang="en-US" sz="2400" i="1" dirty="0" smtClean="0"/>
+          </a:p>
+          <a:p>
+            <a:endParaRPr lang="en-US" sz="2400" dirty="0"/>
+          </a:p>
+        </p:txBody>
+      </p:sp>
+      <p:pic>
+        <p:nvPicPr>
+          <p:cNvPr id="6" name="Picture 5"/>
+          <p:cNvPicPr>
+            <a:picLocks noChangeAspect="1"/>
+          </p:cNvPicPr>
+          <p:nvPr/>
+        </p:nvPicPr>
+        <p:blipFill>
+          <a:blip r:embed="rId2" cstate="print">
+            <a:extLst>
+              <a:ext uri="{28A0092B-C50C-407E-A947-70E740481C1C}">
+                <a14:useLocalDpi xmlns:a14="http://schemas.microsoft.com/office/drawing/2010/main" val="0"/>
+              </a:ext>
+            </a:extLst>
+          </a:blip>
+          <a:stretch>
+            <a:fillRect/>
+          </a:stretch>
+        </p:blipFill>
+        <p:spPr>
+          <a:xfrm>
+            <a:off x="3566916" y="1124720"/>
+            <a:ext cx="5129766" cy="3847802"/>
+          </a:xfrm>
+          <a:prstGeom prst="rect">
+            <a:avLst/>
+          </a:prstGeom>
+        </p:spPr>
+      </p:pic>
+    </p:spTree>
+    <p:extLst>
+      <p:ext uri="{BB962C8B-B14F-4D97-AF65-F5344CB8AC3E}">
+        <p14:creationId xmlns:p14="http://schemas.microsoft.com/office/powerpoint/2010/main" val="1195226029"/>
+      </p:ext>
+    </p:extLst>
+  </p:cSld>
+  <p:clrMapOvr>
+    <a:masterClrMapping/>
+  </p:clrMapOvr>
+</p:sld>
+</file>
+
+<file path=ppt/slides/slide14.xml><?xml version="1.0" encoding="utf-8"?>
+<p:sld xmlns:a="http://schemas.openxmlformats.org/drawingml/2006/main" xmlns:r="http://schemas.openxmlformats.org/officeDocument/2006/relationships" xmlns:p="http://schemas.openxmlformats.org/presentationml/2006/main">
+  <p:cSld>
+    <p:spTree>
+      <p:nvGrpSpPr>
+        <p:cNvPr id="1" name=""/>
+        <p:cNvGrpSpPr/>
+        <p:nvPr/>
+      </p:nvGrpSpPr>
+      <p:grpSpPr>
+        <a:xfrm>
+          <a:off x="0" y="0"/>
+          <a:ext cx="0" cy="0"/>
+          <a:chOff x="0" y="0"/>
+          <a:chExt cx="0" cy="0"/>
+        </a:xfrm>
+      </p:grpSpPr>
+      <p:sp>
+        <p:nvSpPr>
+          <p:cNvPr id="2" name="Title 1"/>
+          <p:cNvSpPr>
+            <a:spLocks noGrp="1"/>
+          </p:cNvSpPr>
+          <p:nvPr>
+            <p:ph type="title"/>
+          </p:nvPr>
+        </p:nvSpPr>
+        <p:spPr/>
+        <p:txBody>
+          <a:bodyPr/>
+          <a:lstStyle/>
+          <a:p>
+            <a:r>
+              <a:rPr lang="en-US" dirty="0" smtClean="0"/>
+              <a:t>Biology is often discrete</a:t>
+            </a:r>
+            <a:endParaRPr lang="de-DE" dirty="0"/>
+          </a:p>
+        </p:txBody>
+      </p:sp>
+      <p:sp>
+        <p:nvSpPr>
+          <p:cNvPr id="3" name="Content Placeholder 2"/>
+          <p:cNvSpPr>
+            <a:spLocks noGrp="1"/>
+          </p:cNvSpPr>
+          <p:nvPr>
+            <p:ph idx="1"/>
+          </p:nvPr>
+        </p:nvSpPr>
+        <p:spPr/>
+        <p:txBody>
+          <a:bodyPr>
+            <a:normAutofit/>
+          </a:bodyPr>
+          <a:lstStyle/>
+          <a:p>
+            <a:r>
+              <a:rPr lang="en-US" sz="2400" dirty="0" smtClean="0"/>
+              <a:t>Counting the number of bacteria</a:t>
+            </a:r>
+          </a:p>
+          <a:p>
+            <a:r>
+              <a:rPr lang="en-US" sz="2400" dirty="0" smtClean="0"/>
+              <a:t>The sequence of DNA {A, G, C, T}</a:t>
+            </a:r>
+          </a:p>
+          <a:p>
+            <a:r>
+              <a:rPr lang="en-US" sz="2400" dirty="0"/>
+              <a:t>#</a:t>
+            </a:r>
+            <a:r>
+              <a:rPr lang="en-US" sz="2400" dirty="0" smtClean="0"/>
+              <a:t>DNA Sequencing reads mapping to a transcript in a </a:t>
+            </a:r>
+            <a:r>
+              <a:rPr lang="en-US" sz="2400" dirty="0" err="1" smtClean="0"/>
+              <a:t>RNAseq</a:t>
+            </a:r>
+            <a:r>
+              <a:rPr lang="en-US" sz="2400" dirty="0" smtClean="0"/>
+              <a:t> experiment</a:t>
+            </a:r>
+          </a:p>
+          <a:p>
+            <a:endParaRPr lang="de-DE" dirty="0"/>
+          </a:p>
+        </p:txBody>
+      </p:sp>
+    </p:spTree>
+    <p:extLst>
+      <p:ext uri="{BB962C8B-B14F-4D97-AF65-F5344CB8AC3E}">
+        <p14:creationId xmlns:p14="http://schemas.microsoft.com/office/powerpoint/2010/main" val="1513950495"/>
+      </p:ext>
+    </p:extLst>
+  </p:cSld>
+  <p:clrMapOvr>
+    <a:masterClrMapping/>
+  </p:clrMapOvr>
+</p:sld>
+</file>
+
+<file path=ppt/slides/slide15.xml><?xml version="1.0" encoding="utf-8"?>
+<p:sld xmlns:a="http://schemas.openxmlformats.org/drawingml/2006/main" xmlns:r="http://schemas.openxmlformats.org/officeDocument/2006/relationships" xmlns:p="http://schemas.openxmlformats.org/presentationml/2006/main">
+  <p:cSld>
+    <p:spTree>
+      <p:nvGrpSpPr>
+        <p:cNvPr id="1" name=""/>
+        <p:cNvGrpSpPr/>
+        <p:nvPr/>
+      </p:nvGrpSpPr>
+      <p:grpSpPr>
+        <a:xfrm>
+          <a:off x="0" y="0"/>
+          <a:ext cx="0" cy="0"/>
+          <a:chOff x="0" y="0"/>
+          <a:chExt cx="0" cy="0"/>
+        </a:xfrm>
+      </p:grpSpPr>
+      <p:sp>
+        <p:nvSpPr>
+          <p:cNvPr id="2" name="Title 1"/>
+          <p:cNvSpPr>
+            <a:spLocks noGrp="1"/>
+          </p:cNvSpPr>
+          <p:nvPr>
+            <p:ph type="title"/>
+          </p:nvPr>
+        </p:nvSpPr>
         <p:spPr>
           <a:xfrm>
             <a:off x="2339752" y="433112"/>
@@ -6021,7 +7249,7 @@
           <p:nvPr/>
         </p:nvPicPr>
         <p:blipFill>
-          <a:blip r:embed="rId2">
+          <a:blip r:embed="rId3">
             <a:extLst>
               <a:ext uri="{28A0092B-C50C-407E-A947-70E740481C1C}">
                 <a14:useLocalDpi xmlns:a14="http://schemas.microsoft.com/office/drawing/2010/main" val="0"/>
@@ -6109,7 +7337,7 @@
 </p:sld>
 </file>
 
-<file path=ppt/slides/slide13.xml><?xml version="1.0" encoding="utf-8"?>
+<file path=ppt/slides/slide16.xml><?xml version="1.0" encoding="utf-8"?>
 <p:sld xmlns:a="http://schemas.openxmlformats.org/drawingml/2006/main" xmlns:r="http://schemas.openxmlformats.org/officeDocument/2006/relationships" xmlns:p="http://schemas.openxmlformats.org/presentationml/2006/main">
   <p:cSld>
     <p:spTree>
@@ -6188,7 +7416,11 @@
           <a:p>
             <a:r>
               <a:rPr lang="en-US" sz="2400" dirty="0" smtClean="0"/>
-              <a:t>Probability of one man: </a:t>
+              <a:t>Probability of one </a:t>
+            </a:r>
+            <a:r>
+              <a:rPr lang="en-US" sz="2400" dirty="0" smtClean="0"/>
+              <a:t>man in a one person sample: </a:t>
             </a:r>
             <a:r>
               <a:rPr lang="de-DE" sz="2400" dirty="0" smtClean="0"/>
@@ -6311,7 +7543,7 @@
 </p:sld>
 </file>
 
-<file path=ppt/slides/slide14.xml><?xml version="1.0" encoding="utf-8"?>
+<file path=ppt/slides/slide17.xml><?xml version="1.0" encoding="utf-8"?>
 <p:sld xmlns:a="http://schemas.openxmlformats.org/drawingml/2006/main" xmlns:r="http://schemas.openxmlformats.org/officeDocument/2006/relationships" xmlns:p="http://schemas.openxmlformats.org/presentationml/2006/main">
   <p:cSld>
     <p:spTree>
@@ -6570,7 +7802,7 @@
 </p:sld>
 </file>
 
-<file path=ppt/slides/slide15.xml><?xml version="1.0" encoding="utf-8"?>
+<file path=ppt/slides/slide18.xml><?xml version="1.0" encoding="utf-8"?>
 <p:sld xmlns:a="http://schemas.openxmlformats.org/drawingml/2006/main" xmlns:r="http://schemas.openxmlformats.org/officeDocument/2006/relationships" xmlns:p="http://schemas.openxmlformats.org/presentationml/2006/main">
   <p:cSld>
     <p:spTree>
@@ -6695,396 +7927,6 @@
 </p:sld>
 </file>
 
-<file path=ppt/slides/slide16.xml><?xml version="1.0" encoding="utf-8"?>
-<p:sld xmlns:a="http://schemas.openxmlformats.org/drawingml/2006/main" xmlns:r="http://schemas.openxmlformats.org/officeDocument/2006/relationships" xmlns:p="http://schemas.openxmlformats.org/presentationml/2006/main">
-  <p:cSld>
-    <p:spTree>
-      <p:nvGrpSpPr>
-        <p:cNvPr id="1" name=""/>
-        <p:cNvGrpSpPr/>
-        <p:nvPr/>
-      </p:nvGrpSpPr>
-      <p:grpSpPr>
-        <a:xfrm>
-          <a:off x="0" y="0"/>
-          <a:ext cx="0" cy="0"/>
-          <a:chOff x="0" y="0"/>
-          <a:chExt cx="0" cy="0"/>
-        </a:xfrm>
-      </p:grpSpPr>
-      <p:sp>
-        <p:nvSpPr>
-          <p:cNvPr id="2" name="Title 1"/>
-          <p:cNvSpPr>
-            <a:spLocks noGrp="1"/>
-          </p:cNvSpPr>
-          <p:nvPr>
-            <p:ph type="title"/>
-          </p:nvPr>
-        </p:nvSpPr>
-        <p:spPr/>
-        <p:txBody>
-          <a:bodyPr/>
-          <a:lstStyle/>
-          <a:p>
-            <a:r>
-              <a:rPr lang="en-US" dirty="0" smtClean="0"/>
-              <a:t>Discrete distributions</a:t>
-            </a:r>
-            <a:endParaRPr lang="de-DE" dirty="0"/>
-          </a:p>
-        </p:txBody>
-      </p:sp>
-      <p:sp>
-        <p:nvSpPr>
-          <p:cNvPr id="3" name="Content Placeholder 2"/>
-          <p:cNvSpPr>
-            <a:spLocks noGrp="1"/>
-          </p:cNvSpPr>
-          <p:nvPr>
-            <p:ph idx="1"/>
-          </p:nvPr>
-        </p:nvSpPr>
-        <p:spPr/>
-        <p:txBody>
-          <a:bodyPr/>
-          <a:lstStyle/>
-          <a:p>
-            <a:r>
-              <a:rPr lang="en-US" sz="2400" dirty="0"/>
-              <a:t>Counting the number of </a:t>
-            </a:r>
-            <a:r>
-              <a:rPr lang="en-US" sz="2400" dirty="0" smtClean="0"/>
-              <a:t>bacteria – Poisson distribution (</a:t>
-            </a:r>
-            <a:r>
-              <a:rPr lang="en-US" sz="2400" i="1" dirty="0" err="1" smtClean="0"/>
-              <a:t>poisson</a:t>
-            </a:r>
-            <a:r>
-              <a:rPr lang="en-US" sz="2400" dirty="0" smtClean="0"/>
-              <a:t>)</a:t>
-            </a:r>
-            <a:endParaRPr lang="en-US" sz="2400" dirty="0"/>
-          </a:p>
-          <a:p>
-            <a:r>
-              <a:rPr lang="en-US" sz="2400" dirty="0"/>
-              <a:t>The sequence of DNA {A, G, C, T</a:t>
-            </a:r>
-            <a:r>
-              <a:rPr lang="en-US" sz="2400" dirty="0" smtClean="0"/>
-              <a:t>} – multinomial distribution (</a:t>
-            </a:r>
-            <a:r>
-              <a:rPr lang="en-US" sz="2400" i="1" dirty="0" err="1" smtClean="0"/>
-              <a:t>multinom</a:t>
-            </a:r>
-            <a:r>
-              <a:rPr lang="en-US" sz="2400" dirty="0" smtClean="0"/>
-              <a:t>) </a:t>
-            </a:r>
-            <a:endParaRPr lang="en-US" sz="2400" dirty="0"/>
-          </a:p>
-          <a:p>
-            <a:r>
-              <a:rPr lang="en-US" sz="2400" dirty="0"/>
-              <a:t>#DNA Sequencing reads mapping to a transcript in a </a:t>
-            </a:r>
-            <a:r>
-              <a:rPr lang="en-US" sz="2400" dirty="0" err="1"/>
-              <a:t>RNAseq</a:t>
-            </a:r>
-            <a:r>
-              <a:rPr lang="en-US" sz="2400" dirty="0"/>
-              <a:t> </a:t>
-            </a:r>
-            <a:r>
-              <a:rPr lang="en-US" sz="2400" dirty="0" smtClean="0"/>
-              <a:t>experiment – negative binomial distribution (</a:t>
-            </a:r>
-            <a:r>
-              <a:rPr lang="en-US" sz="2400" i="1" dirty="0" err="1" smtClean="0"/>
-              <a:t>nbinom</a:t>
-            </a:r>
-            <a:r>
-              <a:rPr lang="en-US" sz="2400" dirty="0" smtClean="0"/>
-              <a:t>)</a:t>
-            </a:r>
-            <a:endParaRPr lang="en-US" sz="2400" dirty="0"/>
-          </a:p>
-          <a:p>
-            <a:endParaRPr lang="de-DE" dirty="0"/>
-          </a:p>
-        </p:txBody>
-      </p:sp>
-    </p:spTree>
-    <p:extLst>
-      <p:ext uri="{BB962C8B-B14F-4D97-AF65-F5344CB8AC3E}">
-        <p14:creationId xmlns:p14="http://schemas.microsoft.com/office/powerpoint/2010/main" val="915341647"/>
-      </p:ext>
-    </p:extLst>
-  </p:cSld>
-  <p:clrMapOvr>
-    <a:masterClrMapping/>
-  </p:clrMapOvr>
-</p:sld>
-</file>
-
-<file path=ppt/slides/slide17.xml><?xml version="1.0" encoding="utf-8"?>
-<p:sld xmlns:a="http://schemas.openxmlformats.org/drawingml/2006/main" xmlns:r="http://schemas.openxmlformats.org/officeDocument/2006/relationships" xmlns:p="http://schemas.openxmlformats.org/presentationml/2006/main">
-  <p:cSld>
-    <p:spTree>
-      <p:nvGrpSpPr>
-        <p:cNvPr id="1" name=""/>
-        <p:cNvGrpSpPr/>
-        <p:nvPr/>
-      </p:nvGrpSpPr>
-      <p:grpSpPr>
-        <a:xfrm>
-          <a:off x="0" y="0"/>
-          <a:ext cx="0" cy="0"/>
-          <a:chOff x="0" y="0"/>
-          <a:chExt cx="0" cy="0"/>
-        </a:xfrm>
-      </p:grpSpPr>
-      <p:sp>
-        <p:nvSpPr>
-          <p:cNvPr id="2" name="Title 1"/>
-          <p:cNvSpPr>
-            <a:spLocks noGrp="1"/>
-          </p:cNvSpPr>
-          <p:nvPr>
-            <p:ph type="title"/>
-          </p:nvPr>
-        </p:nvSpPr>
-        <p:spPr/>
-        <p:txBody>
-          <a:bodyPr/>
-          <a:lstStyle/>
-          <a:p>
-            <a:r>
-              <a:rPr lang="en-US" dirty="0" smtClean="0"/>
-              <a:t>Distributions in R</a:t>
-            </a:r>
-            <a:endParaRPr lang="de-DE" dirty="0"/>
-          </a:p>
-        </p:txBody>
-      </p:sp>
-      <p:sp>
-        <p:nvSpPr>
-          <p:cNvPr id="3" name="Content Placeholder 2"/>
-          <p:cNvSpPr>
-            <a:spLocks noGrp="1"/>
-          </p:cNvSpPr>
-          <p:nvPr>
-            <p:ph idx="1"/>
-          </p:nvPr>
-        </p:nvSpPr>
-        <p:spPr/>
-        <p:txBody>
-          <a:bodyPr/>
-          <a:lstStyle/>
-          <a:p>
-            <a:r>
-              <a:rPr lang="en-US" sz="2800" dirty="0" smtClean="0"/>
-              <a:t>Family of functions:</a:t>
-            </a:r>
-          </a:p>
-          <a:p>
-            <a:pPr lvl="1"/>
-            <a:r>
-              <a:rPr lang="en-US" sz="2400" dirty="0" smtClean="0"/>
-              <a:t>d*, probability density distribution, e.g. </a:t>
-            </a:r>
-            <a:r>
-              <a:rPr lang="en-US" sz="2400" dirty="0" err="1" smtClean="0"/>
-              <a:t>dbinom</a:t>
-            </a:r>
-            <a:r>
-              <a:rPr lang="en-US" sz="2400" dirty="0" smtClean="0"/>
-              <a:t>, </a:t>
-            </a:r>
-            <a:r>
-              <a:rPr lang="en-US" sz="2400" dirty="0" err="1" smtClean="0"/>
-              <a:t>dnorm</a:t>
-            </a:r>
-            <a:endParaRPr lang="en-US" sz="2400" dirty="0" smtClean="0"/>
-          </a:p>
-          <a:p>
-            <a:pPr lvl="1"/>
-            <a:r>
-              <a:rPr lang="en-US" sz="2400" dirty="0" smtClean="0"/>
-              <a:t>r*, sampling from that distribution, e.g. </a:t>
-            </a:r>
-            <a:r>
-              <a:rPr lang="en-US" sz="2400" dirty="0" err="1" smtClean="0"/>
-              <a:t>rbinom</a:t>
-            </a:r>
-            <a:r>
-              <a:rPr lang="en-US" sz="2400" dirty="0" smtClean="0"/>
-              <a:t>, </a:t>
-            </a:r>
-            <a:r>
-              <a:rPr lang="en-US" sz="2400" dirty="0" err="1" smtClean="0"/>
-              <a:t>rnorm</a:t>
-            </a:r>
-            <a:endParaRPr lang="en-US" sz="2400" dirty="0" smtClean="0"/>
-          </a:p>
-          <a:p>
-            <a:pPr lvl="1"/>
-            <a:r>
-              <a:rPr lang="en-US" sz="2400" dirty="0" smtClean="0"/>
-              <a:t>p*, cumulative density </a:t>
-            </a:r>
-            <a:r>
-              <a:rPr lang="en-US" sz="2400" dirty="0" err="1" smtClean="0"/>
-              <a:t>distributiom</a:t>
-            </a:r>
-            <a:r>
-              <a:rPr lang="en-US" sz="2400" dirty="0" smtClean="0"/>
-              <a:t>, e.g</a:t>
-            </a:r>
-            <a:r>
-              <a:rPr lang="en-US" sz="2400" dirty="0"/>
-              <a:t>. </a:t>
-            </a:r>
-            <a:r>
-              <a:rPr lang="en-US" sz="2400" dirty="0" err="1" smtClean="0"/>
-              <a:t>pbinom</a:t>
-            </a:r>
-            <a:r>
-              <a:rPr lang="en-US" sz="2400" dirty="0"/>
-              <a:t>, </a:t>
-            </a:r>
-            <a:r>
-              <a:rPr lang="en-US" sz="2400" dirty="0" err="1" smtClean="0"/>
-              <a:t>pnorm</a:t>
-            </a:r>
-            <a:endParaRPr lang="en-US" sz="2400" dirty="0"/>
-          </a:p>
-          <a:p>
-            <a:pPr lvl="1"/>
-            <a:endParaRPr lang="en-US" dirty="0" smtClean="0"/>
-          </a:p>
-        </p:txBody>
-      </p:sp>
-    </p:spTree>
-    <p:extLst>
-      <p:ext uri="{BB962C8B-B14F-4D97-AF65-F5344CB8AC3E}">
-        <p14:creationId xmlns:p14="http://schemas.microsoft.com/office/powerpoint/2010/main" val="1926681980"/>
-      </p:ext>
-    </p:extLst>
-  </p:cSld>
-  <p:clrMapOvr>
-    <a:masterClrMapping/>
-  </p:clrMapOvr>
-</p:sld>
-</file>
-
-<file path=ppt/slides/slide18.xml><?xml version="1.0" encoding="utf-8"?>
-<p:sld xmlns:a="http://schemas.openxmlformats.org/drawingml/2006/main" xmlns:r="http://schemas.openxmlformats.org/officeDocument/2006/relationships" xmlns:p="http://schemas.openxmlformats.org/presentationml/2006/main">
-  <p:cSld>
-    <p:spTree>
-      <p:nvGrpSpPr>
-        <p:cNvPr id="1" name=""/>
-        <p:cNvGrpSpPr/>
-        <p:nvPr/>
-      </p:nvGrpSpPr>
-      <p:grpSpPr>
-        <a:xfrm>
-          <a:off x="0" y="0"/>
-          <a:ext cx="0" cy="0"/>
-          <a:chOff x="0" y="0"/>
-          <a:chExt cx="0" cy="0"/>
-        </a:xfrm>
-      </p:grpSpPr>
-      <p:sp>
-        <p:nvSpPr>
-          <p:cNvPr id="2" name="Title 1"/>
-          <p:cNvSpPr>
-            <a:spLocks noGrp="1"/>
-          </p:cNvSpPr>
-          <p:nvPr>
-            <p:ph type="title"/>
-          </p:nvPr>
-        </p:nvSpPr>
-        <p:spPr/>
-        <p:txBody>
-          <a:bodyPr/>
-          <a:lstStyle/>
-          <a:p>
-            <a:r>
-              <a:rPr lang="en-US" dirty="0" smtClean="0"/>
-              <a:t>Random samples</a:t>
-            </a:r>
-            <a:endParaRPr lang="de-DE" dirty="0"/>
-          </a:p>
-        </p:txBody>
-      </p:sp>
-      <p:sp>
-        <p:nvSpPr>
-          <p:cNvPr id="3" name="Content Placeholder 2"/>
-          <p:cNvSpPr>
-            <a:spLocks noGrp="1"/>
-          </p:cNvSpPr>
-          <p:nvPr>
-            <p:ph idx="1"/>
-          </p:nvPr>
-        </p:nvSpPr>
-        <p:spPr/>
-        <p:txBody>
-          <a:bodyPr>
-            <a:normAutofit/>
-          </a:bodyPr>
-          <a:lstStyle/>
-          <a:p>
-            <a:r>
-              <a:rPr lang="en-US" sz="2400" dirty="0" smtClean="0"/>
-              <a:t>One of the great things in R is that you can draw a random sample from a lot of common distributions</a:t>
-            </a:r>
-          </a:p>
-          <a:p>
-            <a:r>
-              <a:rPr lang="en-US" sz="2400" dirty="0" smtClean="0"/>
-              <a:t>Useful for simulations to conduct statistical tests</a:t>
-            </a:r>
-          </a:p>
-          <a:p>
-            <a:r>
-              <a:rPr lang="en-US" sz="2400" dirty="0" smtClean="0"/>
-              <a:t>In R prefixed by r* e.g. </a:t>
-            </a:r>
-            <a:r>
-              <a:rPr lang="en-US" sz="2400" i="1" dirty="0" err="1" smtClean="0"/>
-              <a:t>rnorm</a:t>
-            </a:r>
-            <a:r>
-              <a:rPr lang="en-US" sz="2400" dirty="0" smtClean="0"/>
-              <a:t>, </a:t>
-            </a:r>
-            <a:r>
-              <a:rPr lang="en-US" sz="2400" i="1" dirty="0" err="1" smtClean="0"/>
-              <a:t>rbinom</a:t>
-            </a:r>
-            <a:endParaRPr lang="de-DE" sz="2400" i="1" dirty="0"/>
-          </a:p>
-        </p:txBody>
-      </p:sp>
-    </p:spTree>
-    <p:extLst>
-      <p:ext uri="{BB962C8B-B14F-4D97-AF65-F5344CB8AC3E}">
-        <p14:creationId xmlns:p14="http://schemas.microsoft.com/office/powerpoint/2010/main" val="3838828965"/>
-      </p:ext>
-    </p:extLst>
-  </p:cSld>
-  <p:clrMapOvr>
-    <a:masterClrMapping/>
-  </p:clrMapOvr>
-</p:sld>
-</file>
-
 <file path=ppt/slides/slide19.xml><?xml version="1.0" encoding="utf-8"?>
 <p:sld xmlns:a="http://schemas.openxmlformats.org/drawingml/2006/main" xmlns:r="http://schemas.openxmlformats.org/officeDocument/2006/relationships" xmlns:p="http://schemas.openxmlformats.org/presentationml/2006/main">
   <p:cSld>
@@ -7119,7 +7961,7 @@
           <a:p>
             <a:r>
               <a:rPr lang="en-US" dirty="0" smtClean="0"/>
-              <a:t>Let’s try it out</a:t>
+              <a:t>Discrete distributions</a:t>
             </a:r>
             <a:endParaRPr lang="de-DE" dirty="0"/>
           </a:p>
@@ -7140,122 +7982,95 @@
           <a:bodyPr/>
           <a:lstStyle/>
           <a:p>
+            <a:r>
+              <a:rPr lang="en-US" sz="2400" dirty="0"/>
+              <a:t>Counting the number of </a:t>
+            </a:r>
+            <a:r>
+              <a:rPr lang="en-US" sz="2400" dirty="0" smtClean="0"/>
+              <a:t>bacteria </a:t>
+            </a:r>
+            <a:r>
+              <a:rPr lang="en-US" sz="2400" dirty="0" smtClean="0"/>
+              <a:t>on a surface </a:t>
+            </a:r>
+            <a:r>
+              <a:rPr lang="en-US" sz="2400" dirty="0" smtClean="0"/>
+              <a:t>– </a:t>
+            </a:r>
+            <a:r>
+              <a:rPr lang="en-US" sz="2400" dirty="0" smtClean="0"/>
+              <a:t>Poisson distribution (</a:t>
+            </a:r>
+            <a:r>
+              <a:rPr lang="en-US" sz="2400" i="1" dirty="0" err="1" smtClean="0"/>
+              <a:t>poisson</a:t>
+            </a:r>
+            <a:r>
+              <a:rPr lang="en-US" sz="2400" dirty="0" smtClean="0"/>
+              <a:t>)</a:t>
+            </a:r>
+            <a:endParaRPr lang="en-US" sz="2400" dirty="0"/>
+          </a:p>
+          <a:p>
+            <a:r>
+              <a:rPr lang="en-US" sz="2400" dirty="0" smtClean="0"/>
+              <a:t>A </a:t>
+            </a:r>
+            <a:r>
+              <a:rPr lang="en-US" sz="2400" dirty="0"/>
+              <a:t>sequence of DNA {A, G, C, T</a:t>
+            </a:r>
+            <a:r>
+              <a:rPr lang="en-US" sz="2400" dirty="0" smtClean="0"/>
+              <a:t>} – multinomial distribution (</a:t>
+            </a:r>
+            <a:r>
+              <a:rPr lang="en-US" sz="2400" i="1" dirty="0" err="1" smtClean="0"/>
+              <a:t>multinom</a:t>
+            </a:r>
+            <a:r>
+              <a:rPr lang="en-US" sz="2400" dirty="0" smtClean="0"/>
+              <a:t>) </a:t>
+            </a:r>
+            <a:endParaRPr lang="en-US" sz="2400" dirty="0"/>
+          </a:p>
+          <a:p>
+            <a:r>
+              <a:rPr lang="en-US" sz="2400" dirty="0"/>
+              <a:t>#DNA Sequencing reads mapping to a transcript in a </a:t>
+            </a:r>
+            <a:r>
+              <a:rPr lang="en-US" sz="2400" dirty="0" err="1"/>
+              <a:t>RNAseq</a:t>
+            </a:r>
+            <a:r>
+              <a:rPr lang="en-US" sz="2400" dirty="0"/>
+              <a:t> </a:t>
+            </a:r>
+            <a:r>
+              <a:rPr lang="en-US" sz="2400" dirty="0" smtClean="0"/>
+              <a:t>experiment – negative binomial distribution (</a:t>
+            </a:r>
+            <a:r>
+              <a:rPr lang="en-US" sz="2400" i="1" dirty="0" err="1" smtClean="0"/>
+              <a:t>nbinom</a:t>
+            </a:r>
+            <a:r>
+              <a:rPr lang="en-US" sz="2400" dirty="0" smtClean="0"/>
+              <a:t>)</a:t>
+            </a:r>
+            <a:endParaRPr lang="en-US" sz="2400" dirty="0"/>
+          </a:p>
+          <a:p>
             <a:endParaRPr lang="de-DE" dirty="0"/>
           </a:p>
         </p:txBody>
       </p:sp>
-      <p:pic>
-        <p:nvPicPr>
-          <p:cNvPr id="5122" name="Picture 2"/>
-          <p:cNvPicPr>
-            <a:picLocks noChangeAspect="1" noChangeArrowheads="1"/>
-          </p:cNvPicPr>
-          <p:nvPr/>
-        </p:nvPicPr>
-        <p:blipFill>
-          <a:blip r:embed="rId2">
-            <a:extLst>
-              <a:ext uri="{28A0092B-C50C-407E-A947-70E740481C1C}">
-                <a14:useLocalDpi xmlns:a14="http://schemas.microsoft.com/office/drawing/2010/main" val="0"/>
-              </a:ext>
-            </a:extLst>
-          </a:blip>
-          <a:srcRect/>
-          <a:stretch>
-            <a:fillRect/>
-          </a:stretch>
-        </p:blipFill>
-        <p:spPr bwMode="auto">
-          <a:xfrm>
-            <a:off x="467544" y="1176721"/>
-            <a:ext cx="8604448" cy="1486360"/>
-          </a:xfrm>
-          <a:prstGeom prst="rect">
-            <a:avLst/>
-          </a:prstGeom>
-          <a:noFill/>
-          <a:ln>
-            <a:noFill/>
-          </a:ln>
-          <a:extLst>
-            <a:ext uri="{909E8E84-426E-40DD-AFC4-6F175D3DCCD1}">
-              <a14:hiddenFill xmlns:a14="http://schemas.microsoft.com/office/drawing/2010/main">
-                <a:solidFill>
-                  <a:schemeClr val="accent1"/>
-                </a:solidFill>
-              </a14:hiddenFill>
-            </a:ext>
-            <a:ext uri="{91240B29-F687-4F45-9708-019B960494DF}">
-              <a14:hiddenLine xmlns:a14="http://schemas.microsoft.com/office/drawing/2010/main" w="9525">
-                <a:solidFill>
-                  <a:schemeClr val="tx1"/>
-                </a:solidFill>
-                <a:miter lim="800000"/>
-                <a:headEnd/>
-                <a:tailEnd/>
-              </a14:hiddenLine>
-            </a:ext>
-          </a:extLst>
-        </p:spPr>
-      </p:pic>
-      <p:pic>
-        <p:nvPicPr>
-          <p:cNvPr id="5124" name="Picture 4"/>
-          <p:cNvPicPr>
-            <a:picLocks noChangeAspect="1" noChangeArrowheads="1"/>
-          </p:cNvPicPr>
-          <p:nvPr/>
-        </p:nvPicPr>
-        <p:blipFill>
-          <a:blip r:embed="rId3">
-            <a:extLst>
-              <a:ext uri="{28A0092B-C50C-407E-A947-70E740481C1C}">
-                <a14:useLocalDpi xmlns:a14="http://schemas.microsoft.com/office/drawing/2010/main" val="0"/>
-              </a:ext>
-            </a:extLst>
-          </a:blip>
-          <a:srcRect/>
-          <a:stretch>
-            <a:fillRect/>
-          </a:stretch>
-        </p:blipFill>
-        <p:spPr bwMode="auto">
-          <a:xfrm>
-            <a:off x="467544" y="2820351"/>
-            <a:ext cx="8685549" cy="954282"/>
-          </a:xfrm>
-          <a:prstGeom prst="rect">
-            <a:avLst/>
-          </a:prstGeom>
-          <a:noFill/>
-          <a:ln>
-            <a:noFill/>
-          </a:ln>
-          <a:extLst>
-            <a:ext uri="{909E8E84-426E-40DD-AFC4-6F175D3DCCD1}">
-              <a14:hiddenFill xmlns:a14="http://schemas.microsoft.com/office/drawing/2010/main">
-                <a:solidFill>
-                  <a:schemeClr val="accent1"/>
-                </a:solidFill>
-              </a14:hiddenFill>
-            </a:ext>
-            <a:ext uri="{91240B29-F687-4F45-9708-019B960494DF}">
-              <a14:hiddenLine xmlns:a14="http://schemas.microsoft.com/office/drawing/2010/main" w="9525">
-                <a:solidFill>
-                  <a:schemeClr val="tx1"/>
-                </a:solidFill>
-                <a:miter lim="800000"/>
-                <a:headEnd/>
-                <a:tailEnd/>
-              </a14:hiddenLine>
-            </a:ext>
-          </a:extLst>
-        </p:spPr>
-      </p:pic>
     </p:spTree>
     <p:extLst>
       <p:ext uri="{BB962C8B-B14F-4D97-AF65-F5344CB8AC3E}">
-        <p14:creationId xmlns:p14="http://schemas.microsoft.com/office/powerpoint/2010/main" val="2096303314"/>
+        <p14:creationId xmlns:p14="http://schemas.microsoft.com/office/powerpoint/2010/main" val="915341647"/>
       </p:ext>
     </p:extLst>
   </p:cSld>
@@ -7319,7 +8134,7 @@
               <p:cNvPr id="15" name="TextBox 14">
                 <a:extLst>
                   <a:ext uri="{FF2B5EF4-FFF2-40B4-BE49-F238E27FC236}">
-                    <a16:creationId xmlns="" xmlns:a16="http://schemas.microsoft.com/office/drawing/2014/main" id="{A9C41054-0CC8-4118-8DAE-0470C4296DBF}"/>
+                    <a16:creationId xmlns:a16="http://schemas.microsoft.com/office/drawing/2014/main" xmlns="" id="{A9C41054-0CC8-4118-8DAE-0470C4296DBF}"/>
                   </a:ext>
                 </a:extLst>
               </p:cNvPr>
@@ -7450,7 +8265,7 @@
           <p:cNvPr id="2" name="Group 1">
             <a:extLst>
               <a:ext uri="{FF2B5EF4-FFF2-40B4-BE49-F238E27FC236}">
-                <a16:creationId xmlns="" xmlns:a16="http://schemas.microsoft.com/office/drawing/2014/main" id="{F76B613B-52C8-46C1-BED5-6B762B95930B}"/>
+                <a16:creationId xmlns:a16="http://schemas.microsoft.com/office/drawing/2014/main" xmlns="" id="{F76B613B-52C8-46C1-BED5-6B762B95930B}"/>
               </a:ext>
             </a:extLst>
           </p:cNvPr>
@@ -7472,7 +8287,7 @@
                 <p:cNvPr id="16" name="TextBox 15">
                   <a:extLst>
                     <a:ext uri="{FF2B5EF4-FFF2-40B4-BE49-F238E27FC236}">
-                      <a16:creationId xmlns="" xmlns:a16="http://schemas.microsoft.com/office/drawing/2014/main" id="{C225AC65-C863-44E4-8044-3CC1847C5690}"/>
+                      <a16:creationId xmlns:a16="http://schemas.microsoft.com/office/drawing/2014/main" xmlns="" id="{C225AC65-C863-44E4-8044-3CC1847C5690}"/>
                     </a:ext>
                   </a:extLst>
                 </p:cNvPr>
@@ -7585,7 +8400,7 @@
             <p:cNvPr id="18" name="Straight Arrow Connector 17">
               <a:extLst>
                 <a:ext uri="{FF2B5EF4-FFF2-40B4-BE49-F238E27FC236}">
-                  <a16:creationId xmlns="" xmlns:a16="http://schemas.microsoft.com/office/drawing/2014/main" id="{71DE4741-FB4C-4161-AF11-960650C16FA2}"/>
+                  <a16:creationId xmlns:a16="http://schemas.microsoft.com/office/drawing/2014/main" xmlns="" id="{71DE4741-FB4C-4161-AF11-960650C16FA2}"/>
                 </a:ext>
               </a:extLst>
             </p:cNvPr>
@@ -7628,7 +8443,7 @@
                 <p:cNvPr id="27" name="Rectangle 26">
                   <a:extLst>
                     <a:ext uri="{FF2B5EF4-FFF2-40B4-BE49-F238E27FC236}">
-                      <a16:creationId xmlns="" xmlns:a16="http://schemas.microsoft.com/office/drawing/2014/main" id="{802E60C2-4156-4E36-8C57-CA86D5EF5383}"/>
+                      <a16:creationId xmlns:a16="http://schemas.microsoft.com/office/drawing/2014/main" xmlns="" id="{802E60C2-4156-4E36-8C57-CA86D5EF5383}"/>
                     </a:ext>
                   </a:extLst>
                 </p:cNvPr>
@@ -7763,7 +8578,7 @@
                 <p:cNvPr id="28" name="Rectangle 27">
                   <a:extLst>
                     <a:ext uri="{FF2B5EF4-FFF2-40B4-BE49-F238E27FC236}">
-                      <a16:creationId xmlns="" xmlns:a16="http://schemas.microsoft.com/office/drawing/2014/main" id="{96CEBAA5-1391-448A-A419-E2CEEF504EA2}"/>
+                      <a16:creationId xmlns:a16="http://schemas.microsoft.com/office/drawing/2014/main" xmlns="" id="{96CEBAA5-1391-448A-A419-E2CEEF504EA2}"/>
                     </a:ext>
                   </a:extLst>
                 </p:cNvPr>
@@ -7896,7 +8711,7 @@
             <p:cNvPr id="29" name="Straight Arrow Connector 28">
               <a:extLst>
                 <a:ext uri="{FF2B5EF4-FFF2-40B4-BE49-F238E27FC236}">
-                  <a16:creationId xmlns="" xmlns:a16="http://schemas.microsoft.com/office/drawing/2014/main" id="{3135484A-0B0A-488A-BD9D-DA03F5D5F317}"/>
+                  <a16:creationId xmlns:a16="http://schemas.microsoft.com/office/drawing/2014/main" xmlns="" id="{3135484A-0B0A-488A-BD9D-DA03F5D5F317}"/>
                 </a:ext>
               </a:extLst>
             </p:cNvPr>
@@ -7941,7 +8756,7 @@
                 <p:cNvPr id="17" name="TextBox 16">
                   <a:extLst>
                     <a:ext uri="{FF2B5EF4-FFF2-40B4-BE49-F238E27FC236}">
-                      <a16:creationId xmlns="" xmlns:a16="http://schemas.microsoft.com/office/drawing/2014/main" id="{8274C4C0-26F1-4FF1-958C-00468A60F48F}"/>
+                      <a16:creationId xmlns:a16="http://schemas.microsoft.com/office/drawing/2014/main" xmlns="" id="{8274C4C0-26F1-4FF1-958C-00468A60F48F}"/>
                     </a:ext>
                   </a:extLst>
                 </p:cNvPr>
@@ -8054,7 +8869,7 @@
           <p:cNvPr id="19" name="Picture 18">
             <a:extLst>
               <a:ext uri="{FF2B5EF4-FFF2-40B4-BE49-F238E27FC236}">
-                <a16:creationId xmlns="" xmlns:a16="http://schemas.microsoft.com/office/drawing/2014/main" id="{89EBB01D-BCB4-4480-BA05-B7D3B8FC7A00}"/>
+                <a16:creationId xmlns:a16="http://schemas.microsoft.com/office/drawing/2014/main" xmlns="" id="{89EBB01D-BCB4-4480-BA05-B7D3B8FC7A00}"/>
               </a:ext>
             </a:extLst>
           </p:cNvPr>
@@ -8089,7 +8904,7 @@
           <p:cNvPr id="21" name="Picture 20">
             <a:extLst>
               <a:ext uri="{FF2B5EF4-FFF2-40B4-BE49-F238E27FC236}">
-                <a16:creationId xmlns="" xmlns:a16="http://schemas.microsoft.com/office/drawing/2014/main" id="{CBA02815-042C-4539-ACC4-2491FD37581B}"/>
+                <a16:creationId xmlns:a16="http://schemas.microsoft.com/office/drawing/2014/main" xmlns="" id="{CBA02815-042C-4539-ACC4-2491FD37581B}"/>
               </a:ext>
             </a:extLst>
           </p:cNvPr>
@@ -8119,7 +8934,7 @@
           <p:cNvPr id="5" name="Picture 4">
             <a:extLst>
               <a:ext uri="{FF2B5EF4-FFF2-40B4-BE49-F238E27FC236}">
-                <a16:creationId xmlns="" xmlns:a16="http://schemas.microsoft.com/office/drawing/2014/main" id="{4D82F300-7838-4110-9382-ACBD83034475}"/>
+                <a16:creationId xmlns:a16="http://schemas.microsoft.com/office/drawing/2014/main" xmlns="" id="{4D82F300-7838-4110-9382-ACBD83034475}"/>
               </a:ext>
             </a:extLst>
           </p:cNvPr>
@@ -8149,7 +8964,7 @@
           <p:cNvPr id="22" name="Picture 21">
             <a:extLst>
               <a:ext uri="{FF2B5EF4-FFF2-40B4-BE49-F238E27FC236}">
-                <a16:creationId xmlns="" xmlns:a16="http://schemas.microsoft.com/office/drawing/2014/main" id="{A9AF7798-2FC5-41D2-B838-25E321BC0445}"/>
+                <a16:creationId xmlns:a16="http://schemas.microsoft.com/office/drawing/2014/main" xmlns="" id="{A9AF7798-2FC5-41D2-B838-25E321BC0445}"/>
               </a:ext>
             </a:extLst>
           </p:cNvPr>
@@ -8513,7 +9328,7 @@
           <a:p>
             <a:r>
               <a:rPr lang="en-US" dirty="0" smtClean="0"/>
-              <a:t>Null distribution</a:t>
+              <a:t>Distributions in R</a:t>
             </a:r>
             <a:endParaRPr lang="de-DE" dirty="0"/>
           </a:p>
@@ -8531,53 +9346,96 @@
         </p:nvSpPr>
         <p:spPr/>
         <p:txBody>
-          <a:bodyPr>
-            <a:normAutofit lnSpcReduction="10000"/>
-          </a:bodyPr>
+          <a:bodyPr/>
           <a:lstStyle/>
           <a:p>
             <a:r>
+              <a:rPr lang="en-US" sz="2800" dirty="0" smtClean="0"/>
+              <a:t>Family of functions:</a:t>
+            </a:r>
+          </a:p>
+          <a:p>
+            <a:pPr lvl="1"/>
+            <a:r>
               <a:rPr lang="en-US" sz="2400" dirty="0" smtClean="0"/>
-              <a:t>An assumption about how the data is distributed if we don’t expect any effect aka the null hypothesis</a:t>
-            </a:r>
-          </a:p>
-          <a:p>
+              <a:t>d*, probability density distribution, e.g. </a:t>
+            </a:r>
+            <a:r>
+              <a:rPr lang="en-US" sz="2400" dirty="0" err="1" smtClean="0"/>
+              <a:t>dbinom</a:t>
+            </a:r>
             <a:r>
               <a:rPr lang="en-US" sz="2400" dirty="0" smtClean="0"/>
-              <a:t>Every test statistic has a null distribution e.g. the t-statistic</a:t>
-            </a:r>
-          </a:p>
-          <a:p>
+              <a:t>, </a:t>
+            </a:r>
+            <a:r>
+              <a:rPr lang="en-US" sz="2400" dirty="0" err="1" smtClean="0"/>
+              <a:t>dnorm</a:t>
+            </a:r>
+            <a:endParaRPr lang="en-US" sz="2400" dirty="0" smtClean="0"/>
+          </a:p>
+          <a:p>
+            <a:pPr lvl="1"/>
             <a:r>
               <a:rPr lang="en-US" sz="2400" dirty="0" smtClean="0"/>
-              <a:t>Alternative hypothesis: the data is distributed in a different way (the alternative distribution) with some confidence</a:t>
-            </a:r>
+              <a:t>r*, sampling from that distribution, e.g. </a:t>
+            </a:r>
+            <a:r>
+              <a:rPr lang="en-US" sz="2400" dirty="0" err="1" smtClean="0"/>
+              <a:t>rbinom</a:t>
+            </a:r>
+            <a:r>
+              <a:rPr lang="en-US" sz="2400" dirty="0" smtClean="0"/>
+              <a:t>, </a:t>
+            </a:r>
+            <a:r>
+              <a:rPr lang="en-US" sz="2400" dirty="0" err="1" smtClean="0"/>
+              <a:t>rnorm</a:t>
+            </a:r>
+            <a:endParaRPr lang="en-US" sz="2400" dirty="0" smtClean="0"/>
           </a:p>
           <a:p>
             <a:pPr lvl="1"/>
             <a:r>
-              <a:rPr lang="en-US" sz="2200" dirty="0" smtClean="0"/>
-              <a:t>Usually not interesting what sort of alternative distribution</a:t>
-            </a:r>
-          </a:p>
-          <a:p>
-            <a:r>
               <a:rPr lang="en-US" sz="2400" dirty="0" smtClean="0"/>
-              <a:t>Common assumption: the data is normal distributed e.g. for all linear models we assume that the data (the residuals) are normal distributed </a:t>
-            </a:r>
-          </a:p>
-          <a:p>
-            <a:endParaRPr lang="en-US" sz="2400" dirty="0" smtClean="0"/>
-          </a:p>
-          <a:p>
-            <a:endParaRPr lang="de-DE" dirty="0"/>
+              <a:t>p*, cumulative density </a:t>
+            </a:r>
+            <a:r>
+              <a:rPr lang="en-US" sz="2400" dirty="0" err="1" smtClean="0"/>
+              <a:t>distributiom</a:t>
+            </a:r>
+            <a:r>
+              <a:rPr lang="en-US" sz="2400" dirty="0" smtClean="0"/>
+              <a:t>, e.g</a:t>
+            </a:r>
+            <a:r>
+              <a:rPr lang="en-US" sz="2400" dirty="0"/>
+              <a:t>. </a:t>
+            </a:r>
+            <a:r>
+              <a:rPr lang="en-US" sz="2400" dirty="0" err="1" smtClean="0"/>
+              <a:t>pbinom</a:t>
+            </a:r>
+            <a:r>
+              <a:rPr lang="en-US" sz="2400" dirty="0"/>
+              <a:t>, </a:t>
+            </a:r>
+            <a:r>
+              <a:rPr lang="en-US" sz="2400" dirty="0" err="1" smtClean="0"/>
+              <a:t>pnorm</a:t>
+            </a:r>
+            <a:endParaRPr lang="en-US" sz="2400" dirty="0"/>
+          </a:p>
+          <a:p>
+            <a:pPr lvl="1"/>
+            <a:endParaRPr lang="en-US" dirty="0" smtClean="0"/>
           </a:p>
         </p:txBody>
       </p:sp>
     </p:spTree>
     <p:extLst>
       <p:ext uri="{BB962C8B-B14F-4D97-AF65-F5344CB8AC3E}">
-        <p14:creationId xmlns:p14="http://schemas.microsoft.com/office/powerpoint/2010/main" val="867987562"/>
+        <p14:creationId xmlns:p14="http://schemas.microsoft.com/office/powerpoint/2010/main" val="1926681980"/>
       </p:ext>
     </p:extLst>
   </p:cSld>
@@ -8616,6 +9474,396 @@
         </p:nvSpPr>
         <p:spPr/>
         <p:txBody>
+          <a:bodyPr/>
+          <a:lstStyle/>
+          <a:p>
+            <a:r>
+              <a:rPr lang="en-US" dirty="0" smtClean="0"/>
+              <a:t>Random samples</a:t>
+            </a:r>
+            <a:endParaRPr lang="de-DE" dirty="0"/>
+          </a:p>
+        </p:txBody>
+      </p:sp>
+      <p:sp>
+        <p:nvSpPr>
+          <p:cNvPr id="3" name="Content Placeholder 2"/>
+          <p:cNvSpPr>
+            <a:spLocks noGrp="1"/>
+          </p:cNvSpPr>
+          <p:nvPr>
+            <p:ph idx="1"/>
+          </p:nvPr>
+        </p:nvSpPr>
+        <p:spPr/>
+        <p:txBody>
+          <a:bodyPr>
+            <a:normAutofit/>
+          </a:bodyPr>
+          <a:lstStyle/>
+          <a:p>
+            <a:r>
+              <a:rPr lang="en-US" sz="2400" dirty="0" smtClean="0"/>
+              <a:t>One of the great things in R is that you can draw a random sample from a lot of common distributions</a:t>
+            </a:r>
+          </a:p>
+          <a:p>
+            <a:r>
+              <a:rPr lang="en-US" sz="2400" dirty="0" smtClean="0"/>
+              <a:t>Useful for simulations to conduct statistical tests</a:t>
+            </a:r>
+          </a:p>
+          <a:p>
+            <a:r>
+              <a:rPr lang="en-US" sz="2400" dirty="0" smtClean="0"/>
+              <a:t>In R prefixed by r* e.g. </a:t>
+            </a:r>
+            <a:r>
+              <a:rPr lang="en-US" sz="2400" i="1" dirty="0" err="1" smtClean="0"/>
+              <a:t>rnorm</a:t>
+            </a:r>
+            <a:r>
+              <a:rPr lang="en-US" sz="2400" dirty="0" smtClean="0"/>
+              <a:t>, </a:t>
+            </a:r>
+            <a:r>
+              <a:rPr lang="en-US" sz="2400" i="1" dirty="0" err="1" smtClean="0"/>
+              <a:t>rbinom</a:t>
+            </a:r>
+            <a:endParaRPr lang="de-DE" sz="2400" i="1" dirty="0"/>
+          </a:p>
+        </p:txBody>
+      </p:sp>
+    </p:spTree>
+    <p:extLst>
+      <p:ext uri="{BB962C8B-B14F-4D97-AF65-F5344CB8AC3E}">
+        <p14:creationId xmlns:p14="http://schemas.microsoft.com/office/powerpoint/2010/main" val="3838828965"/>
+      </p:ext>
+    </p:extLst>
+  </p:cSld>
+  <p:clrMapOvr>
+    <a:masterClrMapping/>
+  </p:clrMapOvr>
+</p:sld>
+</file>
+
+<file path=ppt/slides/slide22.xml><?xml version="1.0" encoding="utf-8"?>
+<p:sld xmlns:a="http://schemas.openxmlformats.org/drawingml/2006/main" xmlns:r="http://schemas.openxmlformats.org/officeDocument/2006/relationships" xmlns:p="http://schemas.openxmlformats.org/presentationml/2006/main">
+  <p:cSld>
+    <p:spTree>
+      <p:nvGrpSpPr>
+        <p:cNvPr id="1" name=""/>
+        <p:cNvGrpSpPr/>
+        <p:nvPr/>
+      </p:nvGrpSpPr>
+      <p:grpSpPr>
+        <a:xfrm>
+          <a:off x="0" y="0"/>
+          <a:ext cx="0" cy="0"/>
+          <a:chOff x="0" y="0"/>
+          <a:chExt cx="0" cy="0"/>
+        </a:xfrm>
+      </p:grpSpPr>
+      <p:sp>
+        <p:nvSpPr>
+          <p:cNvPr id="2" name="Title 1"/>
+          <p:cNvSpPr>
+            <a:spLocks noGrp="1"/>
+          </p:cNvSpPr>
+          <p:nvPr>
+            <p:ph type="title"/>
+          </p:nvPr>
+        </p:nvSpPr>
+        <p:spPr/>
+        <p:txBody>
+          <a:bodyPr/>
+          <a:lstStyle/>
+          <a:p>
+            <a:r>
+              <a:rPr lang="en-US" dirty="0" smtClean="0"/>
+              <a:t>Let’s try it out</a:t>
+            </a:r>
+            <a:endParaRPr lang="de-DE" dirty="0"/>
+          </a:p>
+        </p:txBody>
+      </p:sp>
+      <p:sp>
+        <p:nvSpPr>
+          <p:cNvPr id="3" name="Content Placeholder 2"/>
+          <p:cNvSpPr>
+            <a:spLocks noGrp="1"/>
+          </p:cNvSpPr>
+          <p:nvPr>
+            <p:ph idx="1"/>
+          </p:nvPr>
+        </p:nvSpPr>
+        <p:spPr/>
+        <p:txBody>
+          <a:bodyPr/>
+          <a:lstStyle/>
+          <a:p>
+            <a:endParaRPr lang="de-DE" dirty="0"/>
+          </a:p>
+        </p:txBody>
+      </p:sp>
+      <p:pic>
+        <p:nvPicPr>
+          <p:cNvPr id="2050" name="Picture 2"/>
+          <p:cNvPicPr>
+            <a:picLocks noChangeAspect="1" noChangeArrowheads="1"/>
+          </p:cNvPicPr>
+          <p:nvPr/>
+        </p:nvPicPr>
+        <p:blipFill>
+          <a:blip r:embed="rId2">
+            <a:extLst>
+              <a:ext uri="{28A0092B-C50C-407E-A947-70E740481C1C}">
+                <a14:useLocalDpi xmlns:a14="http://schemas.microsoft.com/office/drawing/2010/main" val="0"/>
+              </a:ext>
+            </a:extLst>
+          </a:blip>
+          <a:srcRect/>
+          <a:stretch>
+            <a:fillRect/>
+          </a:stretch>
+        </p:blipFill>
+        <p:spPr bwMode="auto">
+          <a:xfrm>
+            <a:off x="459796" y="1225361"/>
+            <a:ext cx="4350522" cy="2004117"/>
+          </a:xfrm>
+          <a:prstGeom prst="rect">
+            <a:avLst/>
+          </a:prstGeom>
+          <a:noFill/>
+          <a:ln>
+            <a:noFill/>
+          </a:ln>
+          <a:extLst>
+            <a:ext uri="{909E8E84-426E-40DD-AFC4-6F175D3DCCD1}">
+              <a14:hiddenFill xmlns:a14="http://schemas.microsoft.com/office/drawing/2010/main">
+                <a:solidFill>
+                  <a:schemeClr val="accent1"/>
+                </a:solidFill>
+              </a14:hiddenFill>
+            </a:ext>
+            <a:ext uri="{91240B29-F687-4F45-9708-019B960494DF}">
+              <a14:hiddenLine xmlns:a14="http://schemas.microsoft.com/office/drawing/2010/main" w="9525">
+                <a:solidFill>
+                  <a:schemeClr val="tx1"/>
+                </a:solidFill>
+                <a:miter lim="800000"/>
+                <a:headEnd/>
+                <a:tailEnd/>
+              </a14:hiddenLine>
+            </a:ext>
+          </a:extLst>
+        </p:spPr>
+      </p:pic>
+      <p:pic>
+        <p:nvPicPr>
+          <p:cNvPr id="2051" name="Picture 3"/>
+          <p:cNvPicPr>
+            <a:picLocks noChangeAspect="1" noChangeArrowheads="1"/>
+          </p:cNvPicPr>
+          <p:nvPr/>
+        </p:nvPicPr>
+        <p:blipFill>
+          <a:blip r:embed="rId3">
+            <a:extLst>
+              <a:ext uri="{28A0092B-C50C-407E-A947-70E740481C1C}">
+                <a14:useLocalDpi xmlns:a14="http://schemas.microsoft.com/office/drawing/2010/main" val="0"/>
+              </a:ext>
+            </a:extLst>
+          </a:blip>
+          <a:srcRect/>
+          <a:stretch>
+            <a:fillRect/>
+          </a:stretch>
+        </p:blipFill>
+        <p:spPr bwMode="auto">
+          <a:xfrm>
+            <a:off x="556976" y="3509903"/>
+            <a:ext cx="5533986" cy="945198"/>
+          </a:xfrm>
+          <a:prstGeom prst="rect">
+            <a:avLst/>
+          </a:prstGeom>
+          <a:noFill/>
+          <a:ln>
+            <a:noFill/>
+          </a:ln>
+          <a:extLst>
+            <a:ext uri="{909E8E84-426E-40DD-AFC4-6F175D3DCCD1}">
+              <a14:hiddenFill xmlns:a14="http://schemas.microsoft.com/office/drawing/2010/main">
+                <a:solidFill>
+                  <a:schemeClr val="accent1"/>
+                </a:solidFill>
+              </a14:hiddenFill>
+            </a:ext>
+            <a:ext uri="{91240B29-F687-4F45-9708-019B960494DF}">
+              <a14:hiddenLine xmlns:a14="http://schemas.microsoft.com/office/drawing/2010/main" w="9525">
+                <a:solidFill>
+                  <a:schemeClr val="tx1"/>
+                </a:solidFill>
+                <a:miter lim="800000"/>
+                <a:headEnd/>
+                <a:tailEnd/>
+              </a14:hiddenLine>
+            </a:ext>
+          </a:extLst>
+        </p:spPr>
+      </p:pic>
+    </p:spTree>
+    <p:extLst>
+      <p:ext uri="{BB962C8B-B14F-4D97-AF65-F5344CB8AC3E}">
+        <p14:creationId xmlns:p14="http://schemas.microsoft.com/office/powerpoint/2010/main" val="2096303314"/>
+      </p:ext>
+    </p:extLst>
+  </p:cSld>
+  <p:clrMapOvr>
+    <a:masterClrMapping/>
+  </p:clrMapOvr>
+</p:sld>
+</file>
+
+<file path=ppt/slides/slide23.xml><?xml version="1.0" encoding="utf-8"?>
+<p:sld xmlns:a="http://schemas.openxmlformats.org/drawingml/2006/main" xmlns:r="http://schemas.openxmlformats.org/officeDocument/2006/relationships" xmlns:p="http://schemas.openxmlformats.org/presentationml/2006/main">
+  <p:cSld>
+    <p:spTree>
+      <p:nvGrpSpPr>
+        <p:cNvPr id="1" name=""/>
+        <p:cNvGrpSpPr/>
+        <p:nvPr/>
+      </p:nvGrpSpPr>
+      <p:grpSpPr>
+        <a:xfrm>
+          <a:off x="0" y="0"/>
+          <a:ext cx="0" cy="0"/>
+          <a:chOff x="0" y="0"/>
+          <a:chExt cx="0" cy="0"/>
+        </a:xfrm>
+      </p:grpSpPr>
+      <p:sp>
+        <p:nvSpPr>
+          <p:cNvPr id="2" name="Title 1"/>
+          <p:cNvSpPr>
+            <a:spLocks noGrp="1"/>
+          </p:cNvSpPr>
+          <p:nvPr>
+            <p:ph type="title"/>
+          </p:nvPr>
+        </p:nvSpPr>
+        <p:spPr/>
+        <p:txBody>
+          <a:bodyPr/>
+          <a:lstStyle/>
+          <a:p>
+            <a:r>
+              <a:rPr lang="en-US" dirty="0" smtClean="0"/>
+              <a:t>Null distribution</a:t>
+            </a:r>
+            <a:endParaRPr lang="de-DE" dirty="0"/>
+          </a:p>
+        </p:txBody>
+      </p:sp>
+      <p:sp>
+        <p:nvSpPr>
+          <p:cNvPr id="3" name="Content Placeholder 2"/>
+          <p:cNvSpPr>
+            <a:spLocks noGrp="1"/>
+          </p:cNvSpPr>
+          <p:nvPr>
+            <p:ph idx="1"/>
+          </p:nvPr>
+        </p:nvSpPr>
+        <p:spPr/>
+        <p:txBody>
+          <a:bodyPr>
+            <a:normAutofit lnSpcReduction="10000"/>
+          </a:bodyPr>
+          <a:lstStyle/>
+          <a:p>
+            <a:r>
+              <a:rPr lang="en-US" sz="2400" dirty="0" smtClean="0"/>
+              <a:t>An assumption about how the data is distributed if we don’t expect any effect aka the null hypothesis</a:t>
+            </a:r>
+          </a:p>
+          <a:p>
+            <a:r>
+              <a:rPr lang="en-US" sz="2400" dirty="0" smtClean="0"/>
+              <a:t>Every test statistic has a null distribution e.g. the t-statistic</a:t>
+            </a:r>
+          </a:p>
+          <a:p>
+            <a:r>
+              <a:rPr lang="en-US" sz="2400" dirty="0" smtClean="0"/>
+              <a:t>Alternative hypothesis: the data is distributed in a different way (the alternative distribution) with some confidence</a:t>
+            </a:r>
+          </a:p>
+          <a:p>
+            <a:pPr lvl="1"/>
+            <a:r>
+              <a:rPr lang="en-US" sz="2200" dirty="0" smtClean="0"/>
+              <a:t>Usually not interesting what sort of alternative distribution</a:t>
+            </a:r>
+          </a:p>
+          <a:p>
+            <a:r>
+              <a:rPr lang="en-US" sz="2400" dirty="0" smtClean="0"/>
+              <a:t>Common assumption: the data is normal distributed e.g. for all linear models we assume that the data (the residuals) are normal distributed </a:t>
+            </a:r>
+          </a:p>
+          <a:p>
+            <a:endParaRPr lang="en-US" sz="2400" dirty="0" smtClean="0"/>
+          </a:p>
+          <a:p>
+            <a:endParaRPr lang="de-DE" dirty="0"/>
+          </a:p>
+        </p:txBody>
+      </p:sp>
+    </p:spTree>
+    <p:extLst>
+      <p:ext uri="{BB962C8B-B14F-4D97-AF65-F5344CB8AC3E}">
+        <p14:creationId xmlns:p14="http://schemas.microsoft.com/office/powerpoint/2010/main" val="867987562"/>
+      </p:ext>
+    </p:extLst>
+  </p:cSld>
+  <p:clrMapOvr>
+    <a:masterClrMapping/>
+  </p:clrMapOvr>
+</p:sld>
+</file>
+
+<file path=ppt/slides/slide24.xml><?xml version="1.0" encoding="utf-8"?>
+<p:sld xmlns:a="http://schemas.openxmlformats.org/drawingml/2006/main" xmlns:r="http://schemas.openxmlformats.org/officeDocument/2006/relationships" xmlns:p="http://schemas.openxmlformats.org/presentationml/2006/main">
+  <p:cSld>
+    <p:spTree>
+      <p:nvGrpSpPr>
+        <p:cNvPr id="1" name=""/>
+        <p:cNvGrpSpPr/>
+        <p:nvPr/>
+      </p:nvGrpSpPr>
+      <p:grpSpPr>
+        <a:xfrm>
+          <a:off x="0" y="0"/>
+          <a:ext cx="0" cy="0"/>
+          <a:chOff x="0" y="0"/>
+          <a:chExt cx="0" cy="0"/>
+        </a:xfrm>
+      </p:grpSpPr>
+      <p:sp>
+        <p:nvSpPr>
+          <p:cNvPr id="2" name="Title 1"/>
+          <p:cNvSpPr>
+            <a:spLocks noGrp="1"/>
+          </p:cNvSpPr>
+          <p:nvPr>
+            <p:ph type="title"/>
+          </p:nvPr>
+        </p:nvSpPr>
+        <p:spPr/>
+        <p:txBody>
           <a:bodyPr>
             <a:normAutofit/>
           </a:bodyPr>
@@ -8685,7 +9933,7 @@
 </p:sld>
 </file>
 
-<file path=ppt/slides/slide22.xml><?xml version="1.0" encoding="utf-8"?>
+<file path=ppt/slides/slide25.xml><?xml version="1.0" encoding="utf-8"?>
 <p:sld xmlns:a="http://schemas.openxmlformats.org/drawingml/2006/main" xmlns:r="http://schemas.openxmlformats.org/officeDocument/2006/relationships" xmlns:p="http://schemas.openxmlformats.org/presentationml/2006/main">
   <p:cSld>
     <p:spTree>
@@ -9002,7 +10250,7 @@
 </p:sld>
 </file>
 
-<file path=ppt/slides/slide23.xml><?xml version="1.0" encoding="utf-8"?>
+<file path=ppt/slides/slide26.xml><?xml version="1.0" encoding="utf-8"?>
 <p:sld xmlns:a="http://schemas.openxmlformats.org/drawingml/2006/main" xmlns:r="http://schemas.openxmlformats.org/officeDocument/2006/relationships" xmlns:p="http://schemas.openxmlformats.org/presentationml/2006/main">
   <p:cSld>
     <p:spTree>
@@ -9080,7 +10328,15 @@
           <a:p>
             <a:r>
               <a:rPr lang="en-US" sz="2400" dirty="0"/>
-              <a:t>Some times null distributions unknown and very complex: but we only need to be able to sample from the </a:t>
+              <a:t>Some times null </a:t>
+            </a:r>
+            <a:r>
+              <a:rPr lang="en-US" sz="2400" dirty="0" smtClean="0"/>
+              <a:t>distribution </a:t>
+            </a:r>
+            <a:r>
+              <a:rPr lang="en-US" sz="2400" dirty="0"/>
+              <a:t>unknown and very complex: but we only need to be able to sample from the </a:t>
             </a:r>
             <a:r>
               <a:rPr lang="en-US" sz="2400" dirty="0" smtClean="0"/>
@@ -9174,7 +10430,7 @@
 </p:sld>
 </file>
 
-<file path=ppt/slides/slide24.xml><?xml version="1.0" encoding="utf-8"?>
+<file path=ppt/slides/slide27.xml><?xml version="1.0" encoding="utf-8"?>
 <p:sld xmlns:a="http://schemas.openxmlformats.org/drawingml/2006/main" xmlns:r="http://schemas.openxmlformats.org/officeDocument/2006/relationships" xmlns:p="http://schemas.openxmlformats.org/presentationml/2006/main">
   <p:cSld>
     <p:spTree>
@@ -9230,16 +10486,8 @@
           <a:lstStyle/>
           <a:p>
             <a:r>
-              <a:rPr lang="en-US" sz="2200" dirty="0" smtClean="0"/>
-              <a:t>Much </a:t>
-            </a:r>
-            <a:r>
               <a:rPr lang="en-US" sz="2400" dirty="0" smtClean="0"/>
-              <a:t>broader</a:t>
-            </a:r>
-            <a:r>
-              <a:rPr lang="en-US" sz="2200" dirty="0" smtClean="0"/>
-              <a:t> application in stats then what we show here</a:t>
+              <a:t>Much broader application in stats then what we show here</a:t>
             </a:r>
           </a:p>
           <a:p>
@@ -9282,7 +10530,7 @@
 </p:sld>
 </file>
 
-<file path=ppt/slides/slide25.xml><?xml version="1.0" encoding="utf-8"?>
+<file path=ppt/slides/slide28.xml><?xml version="1.0" encoding="utf-8"?>
 <p:sld xmlns:a="http://schemas.openxmlformats.org/drawingml/2006/main" xmlns:r="http://schemas.openxmlformats.org/officeDocument/2006/relationships" xmlns:p="http://schemas.openxmlformats.org/presentationml/2006/main">
   <p:cSld>
     <p:spTree>
@@ -9758,11 +11006,7 @@
             </a:r>
             <a:r>
               <a:rPr lang="en-US" sz="2400" dirty="0" smtClean="0"/>
-              <a:t>/standard </a:t>
-            </a:r>
-            <a:r>
-              <a:rPr lang="en-US" sz="2400" dirty="0" smtClean="0"/>
-              <a:t>deviation</a:t>
+              <a:t>/standard deviation</a:t>
             </a:r>
             <a:r>
               <a:rPr lang="en-US" sz="2400" dirty="0"/>
@@ -10781,15 +12025,11 @@
                 <a:pPr lvl="1"/>
                 <a:r>
                   <a:rPr lang="en-US" sz="2000" dirty="0" smtClean="0"/>
-                  <a:t>Normal </a:t>
+                  <a:t>Normal distribution, log-normal </a:t>
                 </a:r>
                 <a:r>
                   <a:rPr lang="en-US" sz="2000" dirty="0" smtClean="0"/>
-                  <a:t>distribution, log-normal </a:t>
-                </a:r>
-                <a:r>
-                  <a:rPr lang="en-US" sz="2000" dirty="0" err="1" smtClean="0"/>
-                  <a:t>distribtuion</a:t>
+                  <a:t>distribution</a:t>
                 </a:r>
                 <a:endParaRPr lang="en-US" sz="2000" dirty="0" smtClean="0"/>
               </a:p>
